--- a/report/figures/Figures.pptx
+++ b/report/figures/Figures.pptx
@@ -104,6 +104,11 @@
       </a:defRPr>
     </a:lvl9pPr>
   </p:defaultTextStyle>
+  <p:extLst>
+    <p:ext uri="{EFAFB233-063F-42B5-8137-9DF3F51BA10A}">
+      <p15:sldGuideLst xmlns:p15="http://schemas.microsoft.com/office/powerpoint/2012/main"/>
+    </p:ext>
+  </p:extLst>
 </p:presentation>
 </file>
 
@@ -3554,7 +3559,7 @@
         </p:nvSpPr>
         <p:spPr>
           <a:xfrm>
-            <a:off x="5226519" y="2415100"/>
+            <a:off x="4912650" y="2694133"/>
             <a:ext cx="4846320" cy="1293963"/>
           </a:xfrm>
           <a:prstGeom prst="rect">
@@ -3608,7 +3613,7 @@
         </p:nvCxnSpPr>
         <p:spPr>
           <a:xfrm>
-            <a:off x="9869170" y="2415100"/>
+            <a:off x="9607059" y="2694132"/>
             <a:ext cx="0" cy="1293963"/>
           </a:xfrm>
           <a:prstGeom prst="line">
@@ -3616,7 +3621,7 @@
           </a:prstGeom>
           <a:ln w="28575">
             <a:solidFill>
-              <a:schemeClr val="tx1"/>
+              <a:srgbClr val="0070C0"/>
             </a:solidFill>
             <a:prstDash val="dash"/>
           </a:ln>
@@ -3783,8 +3788,8 @@
           </a:p>
         </p:txBody>
       </p:sp>
-      <mc:AlternateContent xmlns:mc="http://schemas.openxmlformats.org/markup-compatibility/2006">
-        <mc:Choice xmlns:a14="http://schemas.microsoft.com/office/drawing/2010/main" Requires="a14">
+      <mc:AlternateContent xmlns:mc="http://schemas.openxmlformats.org/markup-compatibility/2006" xmlns:a14="http://schemas.microsoft.com/office/drawing/2010/main">
+        <mc:Choice Requires="a14">
           <p:sp>
             <p:nvSpPr>
               <p:cNvPr id="40" name="TextBox 39">
@@ -3815,7 +3820,11 @@
               <a:p>
                 <a:pPr algn="ctr"/>
                 <a:r>
-                  <a:rPr lang="en-US" dirty="0"/>
+                  <a:rPr lang="en-US" dirty="0">
+                    <a:latin typeface="CMU Sans Serif" panose="02000603000000000000" pitchFamily="2" charset="0"/>
+                    <a:ea typeface="CMU Sans Serif" panose="02000603000000000000" pitchFamily="2" charset="0"/>
+                    <a:cs typeface="CMU Sans Serif" panose="02000603000000000000" pitchFamily="2" charset="0"/>
+                  </a:rPr>
                   <a:t>Dielectric</a:t>
                 </a:r>
                 <a14:m>
@@ -3878,12 +3887,16 @@
                     </m:sSub>
                   </m:oMath>
                 </a14:m>
-                <a:endParaRPr lang="en-US" dirty="0"/>
+                <a:endParaRPr lang="en-US" dirty="0">
+                  <a:latin typeface="CMU Sans Serif" panose="02000603000000000000" pitchFamily="2" charset="0"/>
+                  <a:ea typeface="CMU Sans Serif" panose="02000603000000000000" pitchFamily="2" charset="0"/>
+                  <a:cs typeface="CMU Sans Serif" panose="02000603000000000000" pitchFamily="2" charset="0"/>
+                </a:endParaRPr>
               </a:p>
             </p:txBody>
           </p:sp>
         </mc:Choice>
-        <mc:Fallback>
+        <mc:Fallback xmlns="">
           <p:sp>
             <p:nvSpPr>
               <p:cNvPr id="40" name="TextBox 39">
@@ -3909,7 +3922,7 @@
               <a:blipFill>
                 <a:blip r:embed="rId2"/>
                 <a:stretch>
-                  <a:fillRect t="-5660" b="-1887"/>
+                  <a:fillRect t="-5660" r="-513"/>
                 </a:stretch>
               </a:blipFill>
             </p:spPr>
@@ -4060,8 +4073,8 @@
           </a:fontRef>
         </p:style>
       </p:cxnSp>
-      <mc:AlternateContent xmlns:mc="http://schemas.openxmlformats.org/markup-compatibility/2006">
-        <mc:Choice xmlns:a14="http://schemas.microsoft.com/office/drawing/2010/main" Requires="a14">
+      <mc:AlternateContent xmlns:mc="http://schemas.openxmlformats.org/markup-compatibility/2006" xmlns:a14="http://schemas.microsoft.com/office/drawing/2010/main">
+        <mc:Choice Requires="a14">
           <p:sp>
             <p:nvSpPr>
               <p:cNvPr id="56" name="TextBox 55">
@@ -4090,6 +4103,7 @@
               </a:bodyPr>
               <a:lstStyle/>
               <a:p>
+                <a:pPr/>
                 <a14:m>
                   <m:oMathPara xmlns:m="http://schemas.openxmlformats.org/officeDocument/2006/math">
                     <m:oMathParaPr>
@@ -4122,7 +4136,7 @@
             </p:txBody>
           </p:sp>
         </mc:Choice>
-        <mc:Fallback>
+        <mc:Fallback xmlns="">
           <p:sp>
             <p:nvSpPr>
               <p:cNvPr id="56" name="TextBox 55">
@@ -4167,8 +4181,8 @@
           </p:sp>
         </mc:Fallback>
       </mc:AlternateContent>
-      <mc:AlternateContent xmlns:mc="http://schemas.openxmlformats.org/markup-compatibility/2006">
-        <mc:Choice xmlns:a14="http://schemas.microsoft.com/office/drawing/2010/main" Requires="a14">
+      <mc:AlternateContent xmlns:mc="http://schemas.openxmlformats.org/markup-compatibility/2006" xmlns:a14="http://schemas.microsoft.com/office/drawing/2010/main">
+        <mc:Choice Requires="a14">
           <p:sp>
             <p:nvSpPr>
               <p:cNvPr id="57" name="TextBox 56">
@@ -4197,6 +4211,7 @@
               </a:bodyPr>
               <a:lstStyle/>
               <a:p>
+                <a:pPr/>
                 <a14:m>
                   <m:oMathPara xmlns:m="http://schemas.openxmlformats.org/officeDocument/2006/math">
                     <m:oMathParaPr>
@@ -4229,7 +4244,7 @@
             </p:txBody>
           </p:sp>
         </mc:Choice>
-        <mc:Fallback>
+        <mc:Fallback xmlns="">
           <p:sp>
             <p:nvSpPr>
               <p:cNvPr id="57" name="TextBox 56">
@@ -4274,8 +4289,8 @@
           </p:sp>
         </mc:Fallback>
       </mc:AlternateContent>
-      <mc:AlternateContent xmlns:mc="http://schemas.openxmlformats.org/markup-compatibility/2006">
-        <mc:Choice xmlns:a14="http://schemas.microsoft.com/office/drawing/2010/main" Requires="a14">
+      <mc:AlternateContent xmlns:mc="http://schemas.openxmlformats.org/markup-compatibility/2006" xmlns:a14="http://schemas.microsoft.com/office/drawing/2010/main">
+        <mc:Choice Requires="a14">
           <p:sp>
             <p:nvSpPr>
               <p:cNvPr id="58" name="TextBox 57">
@@ -4304,6 +4319,7 @@
               </a:bodyPr>
               <a:lstStyle/>
               <a:p>
+                <a:pPr/>
                 <a14:m>
                   <m:oMathPara xmlns:m="http://schemas.openxmlformats.org/officeDocument/2006/math">
                     <m:oMathParaPr>
@@ -4336,7 +4352,7 @@
             </p:txBody>
           </p:sp>
         </mc:Choice>
-        <mc:Fallback>
+        <mc:Fallback xmlns="">
           <p:sp>
             <p:nvSpPr>
               <p:cNvPr id="58" name="TextBox 57">
@@ -4381,8 +4397,8 @@
           </p:sp>
         </mc:Fallback>
       </mc:AlternateContent>
-      <mc:AlternateContent xmlns:mc="http://schemas.openxmlformats.org/markup-compatibility/2006">
-        <mc:Choice xmlns:a14="http://schemas.microsoft.com/office/drawing/2010/main" Requires="a14">
+      <mc:AlternateContent xmlns:mc="http://schemas.openxmlformats.org/markup-compatibility/2006" xmlns:a14="http://schemas.microsoft.com/office/drawing/2010/main">
+        <mc:Choice Requires="a14">
           <p:sp>
             <p:nvSpPr>
               <p:cNvPr id="59" name="TextBox 58">
@@ -4411,6 +4427,7 @@
               </a:bodyPr>
               <a:lstStyle/>
               <a:p>
+                <a:pPr/>
                 <a14:m>
                   <m:oMathPara xmlns:m="http://schemas.openxmlformats.org/officeDocument/2006/math">
                     <m:oMathParaPr>
@@ -4431,7 +4448,7 @@
             </p:txBody>
           </p:sp>
         </mc:Choice>
-        <mc:Fallback>
+        <mc:Fallback xmlns="">
           <p:sp>
             <p:nvSpPr>
               <p:cNvPr id="59" name="TextBox 58">
@@ -4476,8 +4493,8 @@
           </p:sp>
         </mc:Fallback>
       </mc:AlternateContent>
-      <mc:AlternateContent xmlns:mc="http://schemas.openxmlformats.org/markup-compatibility/2006">
-        <mc:Choice xmlns:a14="http://schemas.microsoft.com/office/drawing/2010/main" Requires="a14">
+      <mc:AlternateContent xmlns:mc="http://schemas.openxmlformats.org/markup-compatibility/2006" xmlns:a14="http://schemas.microsoft.com/office/drawing/2010/main">
+        <mc:Choice Requires="a14">
           <p:sp>
             <p:nvSpPr>
               <p:cNvPr id="60" name="TextBox 59">
@@ -4506,6 +4523,7 @@
               </a:bodyPr>
               <a:lstStyle/>
               <a:p>
+                <a:pPr/>
                 <a14:m>
                   <m:oMathPara xmlns:m="http://schemas.openxmlformats.org/officeDocument/2006/math">
                     <m:oMathParaPr>
@@ -4526,7 +4544,7 @@
             </p:txBody>
           </p:sp>
         </mc:Choice>
-        <mc:Fallback>
+        <mc:Fallback xmlns="">
           <p:sp>
             <p:nvSpPr>
               <p:cNvPr id="60" name="TextBox 59">
@@ -4571,8 +4589,8 @@
           </p:sp>
         </mc:Fallback>
       </mc:AlternateContent>
-      <mc:AlternateContent xmlns:mc="http://schemas.openxmlformats.org/markup-compatibility/2006">
-        <mc:Choice xmlns:a14="http://schemas.microsoft.com/office/drawing/2010/main" Requires="a14">
+      <mc:AlternateContent xmlns:mc="http://schemas.openxmlformats.org/markup-compatibility/2006" xmlns:a14="http://schemas.microsoft.com/office/drawing/2010/main">
+        <mc:Choice Requires="a14">
           <p:sp>
             <p:nvSpPr>
               <p:cNvPr id="61" name="TextBox 60">
@@ -4601,6 +4619,7 @@
               </a:bodyPr>
               <a:lstStyle/>
               <a:p>
+                <a:pPr/>
                 <a14:m>
                   <m:oMathPara xmlns:m="http://schemas.openxmlformats.org/officeDocument/2006/math">
                     <m:oMathParaPr>
@@ -4621,7 +4640,7 @@
             </p:txBody>
           </p:sp>
         </mc:Choice>
-        <mc:Fallback>
+        <mc:Fallback xmlns="">
           <p:sp>
             <p:nvSpPr>
               <p:cNvPr id="61" name="TextBox 60">
@@ -4696,7 +4715,11 @@
           <a:p>
             <a:pPr algn="ctr"/>
             <a:r>
-              <a:rPr lang="en-US" dirty="0"/>
+              <a:rPr lang="en-US" dirty="0">
+                <a:latin typeface="CMU Sans Serif" panose="02000603000000000000" pitchFamily="2" charset="0"/>
+                <a:ea typeface="CMU Sans Serif" panose="02000603000000000000" pitchFamily="2" charset="0"/>
+                <a:cs typeface="CMU Sans Serif" panose="02000603000000000000" pitchFamily="2" charset="0"/>
+              </a:rPr>
               <a:t>PEC</a:t>
             </a:r>
           </a:p>
@@ -4716,8 +4739,8 @@
         </p:nvSpPr>
         <p:spPr>
           <a:xfrm>
-            <a:off x="3153479" y="3275706"/>
-            <a:ext cx="539388" cy="369332"/>
+            <a:off x="3041880" y="3275706"/>
+            <a:ext cx="650987" cy="369332"/>
           </a:xfrm>
           <a:prstGeom prst="rect">
             <a:avLst/>
@@ -4731,7 +4754,11 @@
           <a:lstStyle/>
           <a:p>
             <a:r>
-              <a:rPr lang="en-US" dirty="0"/>
+              <a:rPr lang="en-US" dirty="0">
+                <a:latin typeface="CMU Sans Serif" panose="02000603000000000000" pitchFamily="2" charset="0"/>
+                <a:ea typeface="CMU Sans Serif" panose="02000603000000000000" pitchFamily="2" charset="0"/>
+                <a:cs typeface="CMU Sans Serif" panose="02000603000000000000" pitchFamily="2" charset="0"/>
+              </a:rPr>
               <a:t>PEC</a:t>
             </a:r>
           </a:p>
@@ -4739,10 +4766,10 @@
       </p:sp>
       <p:sp>
         <p:nvSpPr>
-          <p:cNvPr id="66" name="Left Brace 65">
-            <a:extLst>
-              <a:ext uri="{FF2B5EF4-FFF2-40B4-BE49-F238E27FC236}">
-                <a16:creationId xmlns:a16="http://schemas.microsoft.com/office/drawing/2014/main" id="{4D243055-1C16-0306-B7E1-70950DC70646}"/>
+          <p:cNvPr id="14" name="Rectangle 13">
+            <a:extLst>
+              <a:ext uri="{FF2B5EF4-FFF2-40B4-BE49-F238E27FC236}">
+                <a16:creationId xmlns:a16="http://schemas.microsoft.com/office/drawing/2014/main" id="{A0C16CF6-B897-A66B-831C-6E0B79EA71E9}"/>
               </a:ext>
             </a:extLst>
           </p:cNvPr>
@@ -4750,11 +4777,1100 @@
           <p:nvPr/>
         </p:nvSpPr>
         <p:spPr>
-          <a:xfrm rot="13127382">
-            <a:off x="6167009" y="3724719"/>
-            <a:ext cx="220980" cy="1673212"/>
+          <a:xfrm>
+            <a:off x="4912650" y="2624880"/>
+            <a:ext cx="4846314" cy="69252"/>
           </a:xfrm>
-          <a:prstGeom prst="leftBrace">
+          <a:prstGeom prst="rect">
+            <a:avLst/>
+          </a:prstGeom>
+          <a:solidFill>
+            <a:schemeClr val="bg2"/>
+          </a:solidFill>
+          <a:ln w="28575">
+            <a:solidFill>
+              <a:schemeClr val="tx1"/>
+            </a:solidFill>
+          </a:ln>
+        </p:spPr>
+        <p:style>
+          <a:lnRef idx="2">
+            <a:schemeClr val="accent1">
+              <a:shade val="15000"/>
+            </a:schemeClr>
+          </a:lnRef>
+          <a:fillRef idx="1">
+            <a:schemeClr val="accent1"/>
+          </a:fillRef>
+          <a:effectRef idx="0">
+            <a:schemeClr val="accent1"/>
+          </a:effectRef>
+          <a:fontRef idx="minor">
+            <a:schemeClr val="lt1"/>
+          </a:fontRef>
+        </p:style>
+        <p:txBody>
+          <a:bodyPr rtlCol="0" anchor="ctr"/>
+          <a:lstStyle/>
+          <a:p>
+            <a:pPr algn="ctr"/>
+            <a:endParaRPr lang="en-US"/>
+          </a:p>
+        </p:txBody>
+      </p:sp>
+      <p:sp>
+        <p:nvSpPr>
+          <p:cNvPr id="15" name="Rectangle 14">
+            <a:extLst>
+              <a:ext uri="{FF2B5EF4-FFF2-40B4-BE49-F238E27FC236}">
+                <a16:creationId xmlns:a16="http://schemas.microsoft.com/office/drawing/2014/main" id="{27FE5C5A-D266-C6ED-B53F-8A56954C8514}"/>
+              </a:ext>
+            </a:extLst>
+          </p:cNvPr>
+          <p:cNvSpPr/>
+          <p:nvPr/>
+        </p:nvSpPr>
+        <p:spPr>
+          <a:xfrm>
+            <a:off x="4912650" y="3988095"/>
+            <a:ext cx="4846314" cy="69252"/>
+          </a:xfrm>
+          <a:prstGeom prst="rect">
+            <a:avLst/>
+          </a:prstGeom>
+          <a:solidFill>
+            <a:schemeClr val="bg2"/>
+          </a:solidFill>
+          <a:ln w="28575"/>
+        </p:spPr>
+        <p:style>
+          <a:lnRef idx="2">
+            <a:schemeClr val="accent1">
+              <a:shade val="15000"/>
+            </a:schemeClr>
+          </a:lnRef>
+          <a:fillRef idx="1">
+            <a:schemeClr val="accent1"/>
+          </a:fillRef>
+          <a:effectRef idx="0">
+            <a:schemeClr val="accent1"/>
+          </a:effectRef>
+          <a:fontRef idx="minor">
+            <a:schemeClr val="lt1"/>
+          </a:fontRef>
+        </p:style>
+        <p:txBody>
+          <a:bodyPr rtlCol="0" anchor="ctr"/>
+          <a:lstStyle/>
+          <a:p>
+            <a:pPr algn="ctr"/>
+            <a:endParaRPr lang="en-US"/>
+          </a:p>
+        </p:txBody>
+      </p:sp>
+      <mc:AlternateContent xmlns:mc="http://schemas.openxmlformats.org/markup-compatibility/2006" xmlns:a14="http://schemas.microsoft.com/office/drawing/2010/main">
+        <mc:Choice Requires="a14">
+          <p:sp>
+            <p:nvSpPr>
+              <p:cNvPr id="23" name="TextBox 22">
+                <a:extLst>
+                  <a:ext uri="{FF2B5EF4-FFF2-40B4-BE49-F238E27FC236}">
+                    <a16:creationId xmlns:a16="http://schemas.microsoft.com/office/drawing/2014/main" id="{9AC0D762-4B53-ACC5-9E16-CE3641A2253F}"/>
+                  </a:ext>
+                </a:extLst>
+              </p:cNvPr>
+              <p:cNvSpPr txBox="1"/>
+              <p:nvPr/>
+            </p:nvSpPr>
+            <p:spPr>
+              <a:xfrm>
+                <a:off x="4891166" y="3027450"/>
+                <a:ext cx="306516" cy="369332"/>
+              </a:xfrm>
+              <a:prstGeom prst="rect">
+                <a:avLst/>
+              </a:prstGeom>
+              <a:noFill/>
+            </p:spPr>
+            <p:txBody>
+              <a:bodyPr wrap="square" rtlCol="0">
+                <a:spAutoFit/>
+              </a:bodyPr>
+              <a:lstStyle/>
+              <a:p>
+                <a:pPr/>
+                <a14:m>
+                  <m:oMathPara xmlns:m="http://schemas.openxmlformats.org/officeDocument/2006/math">
+                    <m:oMathParaPr>
+                      <m:jc m:val="centerGroup"/>
+                    </m:oMathParaPr>
+                    <m:oMath xmlns:m="http://schemas.openxmlformats.org/officeDocument/2006/math">
+                      <m:acc>
+                        <m:accPr>
+                          <m:chr m:val="̂"/>
+                          <m:ctrlPr>
+                            <a:rPr lang="en-US" b="0" i="1" smtClean="0">
+                              <a:latin typeface="Cambria Math" panose="02040503050406030204" pitchFamily="18" charset="0"/>
+                            </a:rPr>
+                          </m:ctrlPr>
+                        </m:accPr>
+                        <m:e>
+                          <m:r>
+                            <a:rPr lang="en-US" b="0" i="1" smtClean="0">
+                              <a:latin typeface="Cambria Math" panose="02040503050406030204" pitchFamily="18" charset="0"/>
+                            </a:rPr>
+                            <m:t>𝑥</m:t>
+                          </m:r>
+                        </m:e>
+                      </m:acc>
+                    </m:oMath>
+                  </m:oMathPara>
+                </a14:m>
+                <a:endParaRPr lang="en-US" dirty="0"/>
+              </a:p>
+            </p:txBody>
+          </p:sp>
+        </mc:Choice>
+        <mc:Fallback xmlns="">
+          <p:sp>
+            <p:nvSpPr>
+              <p:cNvPr id="23" name="TextBox 22">
+                <a:extLst>
+                  <a:ext uri="{FF2B5EF4-FFF2-40B4-BE49-F238E27FC236}">
+                    <a16:creationId xmlns:a16="http://schemas.microsoft.com/office/drawing/2014/main" id="{9AC0D762-4B53-ACC5-9E16-CE3641A2253F}"/>
+                  </a:ext>
+                </a:extLst>
+              </p:cNvPr>
+              <p:cNvSpPr txBox="1">
+                <a:spLocks noRot="1" noChangeAspect="1" noMove="1" noResize="1" noEditPoints="1" noAdjustHandles="1" noChangeArrowheads="1" noChangeShapeType="1" noTextEdit="1"/>
+              </p:cNvSpPr>
+              <p:nvPr/>
+            </p:nvSpPr>
+            <p:spPr>
+              <a:xfrm>
+                <a:off x="4891166" y="3027450"/>
+                <a:ext cx="306516" cy="369332"/>
+              </a:xfrm>
+              <a:prstGeom prst="rect">
+                <a:avLst/>
+              </a:prstGeom>
+              <a:blipFill>
+                <a:blip r:embed="rId9"/>
+                <a:stretch>
+                  <a:fillRect t="-6667" r="-7843"/>
+                </a:stretch>
+              </a:blipFill>
+            </p:spPr>
+            <p:txBody>
+              <a:bodyPr/>
+              <a:lstStyle/>
+              <a:p>
+                <a:r>
+                  <a:rPr lang="en-US">
+                    <a:noFill/>
+                  </a:rPr>
+                  <a:t> </a:t>
+                </a:r>
+              </a:p>
+            </p:txBody>
+          </p:sp>
+        </mc:Fallback>
+      </mc:AlternateContent>
+      <p:sp>
+        <p:nvSpPr>
+          <p:cNvPr id="26" name="Rectangle 25">
+            <a:extLst>
+              <a:ext uri="{FF2B5EF4-FFF2-40B4-BE49-F238E27FC236}">
+                <a16:creationId xmlns:a16="http://schemas.microsoft.com/office/drawing/2014/main" id="{92083DF8-7629-EBF1-1A77-064EF94BE9A5}"/>
+              </a:ext>
+            </a:extLst>
+          </p:cNvPr>
+          <p:cNvSpPr/>
+          <p:nvPr/>
+        </p:nvSpPr>
+        <p:spPr>
+          <a:xfrm rot="16200000">
+            <a:off x="4187595" y="3303748"/>
+            <a:ext cx="1432468" cy="74729"/>
+          </a:xfrm>
+          <a:prstGeom prst="rect">
+            <a:avLst/>
+          </a:prstGeom>
+          <a:solidFill>
+            <a:srgbClr val="FFC000"/>
+          </a:solidFill>
+          <a:ln w="28575">
+            <a:solidFill>
+              <a:schemeClr val="tx1"/>
+            </a:solidFill>
+          </a:ln>
+        </p:spPr>
+        <p:style>
+          <a:lnRef idx="2">
+            <a:schemeClr val="accent1">
+              <a:shade val="15000"/>
+            </a:schemeClr>
+          </a:lnRef>
+          <a:fillRef idx="1">
+            <a:schemeClr val="accent1"/>
+          </a:fillRef>
+          <a:effectRef idx="0">
+            <a:schemeClr val="accent1"/>
+          </a:effectRef>
+          <a:fontRef idx="minor">
+            <a:schemeClr val="lt1"/>
+          </a:fontRef>
+        </p:style>
+        <p:txBody>
+          <a:bodyPr rtlCol="0" anchor="ctr"/>
+          <a:lstStyle/>
+          <a:p>
+            <a:pPr algn="ctr"/>
+            <a:endParaRPr lang="en-US"/>
+          </a:p>
+        </p:txBody>
+      </p:sp>
+      <p:sp>
+        <p:nvSpPr>
+          <p:cNvPr id="27" name="TextBox 26">
+            <a:extLst>
+              <a:ext uri="{FF2B5EF4-FFF2-40B4-BE49-F238E27FC236}">
+                <a16:creationId xmlns:a16="http://schemas.microsoft.com/office/drawing/2014/main" id="{EFDAE7BB-3141-7066-FE4E-D179E18FD5C3}"/>
+              </a:ext>
+            </a:extLst>
+          </p:cNvPr>
+          <p:cNvSpPr txBox="1"/>
+          <p:nvPr/>
+        </p:nvSpPr>
+        <p:spPr>
+          <a:xfrm>
+            <a:off x="4527570" y="4070966"/>
+            <a:ext cx="752518" cy="646331"/>
+          </a:xfrm>
+          <a:prstGeom prst="rect">
+            <a:avLst/>
+          </a:prstGeom>
+          <a:noFill/>
+        </p:spPr>
+        <p:txBody>
+          <a:bodyPr wrap="square" rtlCol="0">
+            <a:spAutoFit/>
+          </a:bodyPr>
+          <a:lstStyle/>
+          <a:p>
+            <a:pPr algn="ctr"/>
+            <a:r>
+              <a:rPr lang="en-US" dirty="0">
+                <a:latin typeface="CMU Sans Serif" panose="02000603000000000000" pitchFamily="2" charset="0"/>
+                <a:ea typeface="CMU Sans Serif" panose="02000603000000000000" pitchFamily="2" charset="0"/>
+                <a:cs typeface="CMU Sans Serif" panose="02000603000000000000" pitchFamily="2" charset="0"/>
+              </a:rPr>
+              <a:t>Mur ABC</a:t>
+            </a:r>
+          </a:p>
+        </p:txBody>
+      </p:sp>
+      <p:sp>
+        <p:nvSpPr>
+          <p:cNvPr id="29" name="TextBox 28">
+            <a:extLst>
+              <a:ext uri="{FF2B5EF4-FFF2-40B4-BE49-F238E27FC236}">
+                <a16:creationId xmlns:a16="http://schemas.microsoft.com/office/drawing/2014/main" id="{197AB42E-AAB8-2854-54CE-B5A50D06AB1B}"/>
+              </a:ext>
+            </a:extLst>
+          </p:cNvPr>
+          <p:cNvSpPr txBox="1"/>
+          <p:nvPr/>
+        </p:nvSpPr>
+        <p:spPr>
+          <a:xfrm>
+            <a:off x="8816486" y="4076632"/>
+            <a:ext cx="1581146" cy="646331"/>
+          </a:xfrm>
+          <a:prstGeom prst="rect">
+            <a:avLst/>
+          </a:prstGeom>
+          <a:noFill/>
+        </p:spPr>
+        <p:txBody>
+          <a:bodyPr wrap="square" rtlCol="0">
+            <a:spAutoFit/>
+          </a:bodyPr>
+          <a:lstStyle/>
+          <a:p>
+            <a:pPr algn="ctr"/>
+            <a:r>
+              <a:rPr lang="en-US" dirty="0">
+                <a:latin typeface="CMU Sans Serif" panose="02000603000000000000" pitchFamily="2" charset="0"/>
+                <a:ea typeface="CMU Sans Serif" panose="02000603000000000000" pitchFamily="2" charset="0"/>
+                <a:cs typeface="CMU Sans Serif" panose="02000603000000000000" pitchFamily="2" charset="0"/>
+              </a:rPr>
+              <a:t>TF/SF</a:t>
+            </a:r>
+          </a:p>
+          <a:p>
+            <a:pPr algn="ctr"/>
+            <a:r>
+              <a:rPr lang="en-US" dirty="0">
+                <a:latin typeface="CMU Sans Serif" panose="02000603000000000000" pitchFamily="2" charset="0"/>
+                <a:ea typeface="CMU Sans Serif" panose="02000603000000000000" pitchFamily="2" charset="0"/>
+                <a:cs typeface="CMU Sans Serif" panose="02000603000000000000" pitchFamily="2" charset="0"/>
+              </a:rPr>
+              <a:t>1-Way Source</a:t>
+            </a:r>
+          </a:p>
+        </p:txBody>
+      </p:sp>
+      <mc:AlternateContent xmlns:mc="http://schemas.openxmlformats.org/markup-compatibility/2006" xmlns:a14="http://schemas.microsoft.com/office/drawing/2010/main">
+        <mc:Choice Requires="a14">
+          <p:sp>
+            <p:nvSpPr>
+              <p:cNvPr id="31" name="TextBox 30">
+                <a:extLst>
+                  <a:ext uri="{FF2B5EF4-FFF2-40B4-BE49-F238E27FC236}">
+                    <a16:creationId xmlns:a16="http://schemas.microsoft.com/office/drawing/2014/main" id="{29E5D472-D594-429B-B61C-A13B8A589C7E}"/>
+                  </a:ext>
+                </a:extLst>
+              </p:cNvPr>
+              <p:cNvSpPr txBox="1"/>
+              <p:nvPr/>
+            </p:nvSpPr>
+            <p:spPr>
+              <a:xfrm>
+                <a:off x="6086443" y="3104866"/>
+                <a:ext cx="1130128" cy="646331"/>
+              </a:xfrm>
+              <a:prstGeom prst="rect">
+                <a:avLst/>
+              </a:prstGeom>
+              <a:noFill/>
+            </p:spPr>
+            <p:txBody>
+              <a:bodyPr wrap="square">
+                <a:spAutoFit/>
+              </a:bodyPr>
+              <a:lstStyle/>
+              <a:p>
+                <a:pPr algn="ctr"/>
+                <a:r>
+                  <a:rPr lang="en-US" dirty="0">
+                    <a:latin typeface="CMU Sans Serif" panose="02000603000000000000" pitchFamily="2" charset="0"/>
+                    <a:ea typeface="CMU Sans Serif" panose="02000603000000000000" pitchFamily="2" charset="0"/>
+                    <a:cs typeface="CMU Sans Serif" panose="02000603000000000000" pitchFamily="2" charset="0"/>
+                  </a:rPr>
+                  <a:t>Dielectric</a:t>
+                </a:r>
+                <a14:m>
+                  <m:oMath xmlns:m="http://schemas.openxmlformats.org/officeDocument/2006/math">
+                    <m:sSub>
+                      <m:sSubPr>
+                        <m:ctrlPr>
+                          <a:rPr lang="en-US" b="0" i="1" smtClean="0">
+                            <a:latin typeface="Cambria Math" panose="02040503050406030204" pitchFamily="18" charset="0"/>
+                          </a:rPr>
+                        </m:ctrlPr>
+                      </m:sSubPr>
+                      <m:e>
+                        <m:r>
+                          <a:rPr lang="en-US" b="0" i="1" smtClean="0">
+                            <a:latin typeface="Cambria Math" panose="02040503050406030204" pitchFamily="18" charset="0"/>
+                          </a:rPr>
+                          <m:t>𝜖</m:t>
+                        </m:r>
+                      </m:e>
+                      <m:sub>
+                        <m:r>
+                          <a:rPr lang="en-US" b="0" i="1" smtClean="0">
+                            <a:latin typeface="Cambria Math" panose="02040503050406030204" pitchFamily="18" charset="0"/>
+                          </a:rPr>
+                          <m:t>1</m:t>
+                        </m:r>
+                      </m:sub>
+                    </m:sSub>
+                    <m:r>
+                      <a:rPr lang="en-US" b="0" i="1" smtClean="0">
+                        <a:latin typeface="Cambria Math" panose="02040503050406030204" pitchFamily="18" charset="0"/>
+                      </a:rPr>
+                      <m:t>, </m:t>
+                    </m:r>
+                    <m:sSub>
+                      <m:sSubPr>
+                        <m:ctrlPr>
+                          <a:rPr lang="en-US" b="0" i="1" smtClean="0">
+                            <a:latin typeface="Cambria Math" panose="02040503050406030204" pitchFamily="18" charset="0"/>
+                          </a:rPr>
+                        </m:ctrlPr>
+                      </m:sSubPr>
+                      <m:e>
+                        <m:r>
+                          <a:rPr lang="en-US" b="0" i="1" smtClean="0">
+                            <a:latin typeface="Cambria Math" panose="02040503050406030204" pitchFamily="18" charset="0"/>
+                          </a:rPr>
+                          <m:t>𝜇</m:t>
+                        </m:r>
+                      </m:e>
+                      <m:sub>
+                        <m:r>
+                          <a:rPr lang="en-US" b="0" i="1" smtClean="0">
+                            <a:latin typeface="Cambria Math" panose="02040503050406030204" pitchFamily="18" charset="0"/>
+                          </a:rPr>
+                          <m:t>1</m:t>
+                        </m:r>
+                      </m:sub>
+                    </m:sSub>
+                  </m:oMath>
+                </a14:m>
+                <a:endParaRPr lang="en-US" dirty="0">
+                  <a:latin typeface="CMU Sans Serif" panose="02000603000000000000" pitchFamily="2" charset="0"/>
+                  <a:ea typeface="CMU Sans Serif" panose="02000603000000000000" pitchFamily="2" charset="0"/>
+                  <a:cs typeface="CMU Sans Serif" panose="02000603000000000000" pitchFamily="2" charset="0"/>
+                </a:endParaRPr>
+              </a:p>
+            </p:txBody>
+          </p:sp>
+        </mc:Choice>
+        <mc:Fallback xmlns="">
+          <p:sp>
+            <p:nvSpPr>
+              <p:cNvPr id="31" name="TextBox 30">
+                <a:extLst>
+                  <a:ext uri="{FF2B5EF4-FFF2-40B4-BE49-F238E27FC236}">
+                    <a16:creationId xmlns:a16="http://schemas.microsoft.com/office/drawing/2014/main" id="{29E5D472-D594-429B-B61C-A13B8A589C7E}"/>
+                  </a:ext>
+                </a:extLst>
+              </p:cNvPr>
+              <p:cNvSpPr txBox="1">
+                <a:spLocks noRot="1" noChangeAspect="1" noMove="1" noResize="1" noEditPoints="1" noAdjustHandles="1" noChangeArrowheads="1" noChangeShapeType="1" noTextEdit="1"/>
+              </p:cNvSpPr>
+              <p:nvPr/>
+            </p:nvSpPr>
+            <p:spPr>
+              <a:xfrm>
+                <a:off x="6086443" y="3104866"/>
+                <a:ext cx="1130128" cy="646331"/>
+              </a:xfrm>
+              <a:prstGeom prst="rect">
+                <a:avLst/>
+              </a:prstGeom>
+              <a:blipFill>
+                <a:blip r:embed="rId10"/>
+                <a:stretch>
+                  <a:fillRect l="-2688" t="-4717" r="-2688"/>
+                </a:stretch>
+              </a:blipFill>
+            </p:spPr>
+            <p:txBody>
+              <a:bodyPr/>
+              <a:lstStyle/>
+              <a:p>
+                <a:r>
+                  <a:rPr lang="en-US">
+                    <a:noFill/>
+                  </a:rPr>
+                  <a:t> </a:t>
+                </a:r>
+              </a:p>
+            </p:txBody>
+          </p:sp>
+        </mc:Fallback>
+      </mc:AlternateContent>
+      <p:cxnSp>
+        <p:nvCxnSpPr>
+          <p:cNvPr id="7" name="Straight Arrow Connector 6">
+            <a:extLst>
+              <a:ext uri="{FF2B5EF4-FFF2-40B4-BE49-F238E27FC236}">
+                <a16:creationId xmlns:a16="http://schemas.microsoft.com/office/drawing/2014/main" id="{128C908A-CBB3-E1DE-317E-EC865FE419E8}"/>
+              </a:ext>
+            </a:extLst>
+          </p:cNvPr>
+          <p:cNvCxnSpPr>
+            <a:cxnSpLocks/>
+          </p:cNvCxnSpPr>
+          <p:nvPr/>
+        </p:nvCxnSpPr>
+        <p:spPr>
+          <a:xfrm>
+            <a:off x="4958373" y="2694132"/>
+            <a:ext cx="0" cy="400652"/>
+          </a:xfrm>
+          <a:prstGeom prst="straightConnector1">
+            <a:avLst/>
+          </a:prstGeom>
+          <a:ln w="28575">
+            <a:solidFill>
+              <a:srgbClr val="C00000"/>
+            </a:solidFill>
+            <a:tailEnd type="triangle"/>
+          </a:ln>
+        </p:spPr>
+        <p:style>
+          <a:lnRef idx="1">
+            <a:schemeClr val="accent1"/>
+          </a:lnRef>
+          <a:fillRef idx="0">
+            <a:schemeClr val="accent1"/>
+          </a:fillRef>
+          <a:effectRef idx="0">
+            <a:schemeClr val="accent1"/>
+          </a:effectRef>
+          <a:fontRef idx="minor">
+            <a:schemeClr val="tx1"/>
+          </a:fontRef>
+        </p:style>
+      </p:cxnSp>
+      <p:cxnSp>
+        <p:nvCxnSpPr>
+          <p:cNvPr id="4" name="Straight Arrow Connector 3">
+            <a:extLst>
+              <a:ext uri="{FF2B5EF4-FFF2-40B4-BE49-F238E27FC236}">
+                <a16:creationId xmlns:a16="http://schemas.microsoft.com/office/drawing/2014/main" id="{A16E8ABE-2065-4BB4-D7A8-64B865DE5001}"/>
+              </a:ext>
+            </a:extLst>
+          </p:cNvPr>
+          <p:cNvCxnSpPr>
+            <a:cxnSpLocks/>
+          </p:cNvCxnSpPr>
+          <p:nvPr/>
+        </p:nvCxnSpPr>
+        <p:spPr>
+          <a:xfrm>
+            <a:off x="4958373" y="2694132"/>
+            <a:ext cx="414962" cy="0"/>
+          </a:xfrm>
+          <a:prstGeom prst="straightConnector1">
+            <a:avLst/>
+          </a:prstGeom>
+          <a:ln w="28575">
+            <a:solidFill>
+              <a:srgbClr val="C00000"/>
+            </a:solidFill>
+            <a:tailEnd type="triangle"/>
+          </a:ln>
+        </p:spPr>
+        <p:style>
+          <a:lnRef idx="1">
+            <a:schemeClr val="accent1"/>
+          </a:lnRef>
+          <a:fillRef idx="0">
+            <a:schemeClr val="accent1"/>
+          </a:fillRef>
+          <a:effectRef idx="0">
+            <a:schemeClr val="accent1"/>
+          </a:effectRef>
+          <a:fontRef idx="minor">
+            <a:schemeClr val="tx1"/>
+          </a:fontRef>
+        </p:style>
+      </p:cxnSp>
+      <p:sp>
+        <p:nvSpPr>
+          <p:cNvPr id="17" name="Oval 16">
+            <a:extLst>
+              <a:ext uri="{FF2B5EF4-FFF2-40B4-BE49-F238E27FC236}">
+                <a16:creationId xmlns:a16="http://schemas.microsoft.com/office/drawing/2014/main" id="{63D62BAA-2B67-A939-A4C5-0C9F94D4EED4}"/>
+              </a:ext>
+            </a:extLst>
+          </p:cNvPr>
+          <p:cNvSpPr/>
+          <p:nvPr/>
+        </p:nvSpPr>
+        <p:spPr>
+          <a:xfrm>
+            <a:off x="4935514" y="2666961"/>
+            <a:ext cx="45719" cy="45719"/>
+          </a:xfrm>
+          <a:prstGeom prst="ellipse">
+            <a:avLst/>
+          </a:prstGeom>
+          <a:solidFill>
+            <a:srgbClr val="C00000"/>
+          </a:solidFill>
+          <a:ln w="28575"/>
+        </p:spPr>
+        <p:style>
+          <a:lnRef idx="2">
+            <a:schemeClr val="accent1">
+              <a:shade val="15000"/>
+            </a:schemeClr>
+          </a:lnRef>
+          <a:fillRef idx="1">
+            <a:schemeClr val="accent1"/>
+          </a:fillRef>
+          <a:effectRef idx="0">
+            <a:schemeClr val="accent1"/>
+          </a:effectRef>
+          <a:fontRef idx="minor">
+            <a:schemeClr val="lt1"/>
+          </a:fontRef>
+        </p:style>
+        <p:txBody>
+          <a:bodyPr rtlCol="0" anchor="ctr"/>
+          <a:lstStyle/>
+          <a:p>
+            <a:pPr algn="ctr"/>
+            <a:endParaRPr lang="en-US"/>
+          </a:p>
+        </p:txBody>
+      </p:sp>
+      <mc:AlternateContent xmlns:mc="http://schemas.openxmlformats.org/markup-compatibility/2006" xmlns:a14="http://schemas.microsoft.com/office/drawing/2010/main">
+        <mc:Choice Requires="a14">
+          <p:sp>
+            <p:nvSpPr>
+              <p:cNvPr id="21" name="TextBox 20">
+                <a:extLst>
+                  <a:ext uri="{FF2B5EF4-FFF2-40B4-BE49-F238E27FC236}">
+                    <a16:creationId xmlns:a16="http://schemas.microsoft.com/office/drawing/2014/main" id="{E9998498-0836-4958-4F45-9E1AF4324568}"/>
+                  </a:ext>
+                </a:extLst>
+              </p:cNvPr>
+              <p:cNvSpPr txBox="1"/>
+              <p:nvPr/>
+            </p:nvSpPr>
+            <p:spPr>
+              <a:xfrm>
+                <a:off x="5296029" y="2680513"/>
+                <a:ext cx="306516" cy="369332"/>
+              </a:xfrm>
+              <a:prstGeom prst="rect">
+                <a:avLst/>
+              </a:prstGeom>
+              <a:noFill/>
+            </p:spPr>
+            <p:txBody>
+              <a:bodyPr wrap="square" rtlCol="0">
+                <a:spAutoFit/>
+              </a:bodyPr>
+              <a:lstStyle/>
+              <a:p>
+                <a:pPr/>
+                <a14:m>
+                  <m:oMathPara xmlns:m="http://schemas.openxmlformats.org/officeDocument/2006/math">
+                    <m:oMathParaPr>
+                      <m:jc m:val="centerGroup"/>
+                    </m:oMathParaPr>
+                    <m:oMath xmlns:m="http://schemas.openxmlformats.org/officeDocument/2006/math">
+                      <m:acc>
+                        <m:accPr>
+                          <m:chr m:val="̂"/>
+                          <m:ctrlPr>
+                            <a:rPr lang="en-US" b="0" i="1" smtClean="0">
+                              <a:latin typeface="Cambria Math" panose="02040503050406030204" pitchFamily="18" charset="0"/>
+                            </a:rPr>
+                          </m:ctrlPr>
+                        </m:accPr>
+                        <m:e>
+                          <m:r>
+                            <a:rPr lang="en-US" b="0" i="1" smtClean="0">
+                              <a:latin typeface="Cambria Math" panose="02040503050406030204" pitchFamily="18" charset="0"/>
+                            </a:rPr>
+                            <m:t>𝑧</m:t>
+                          </m:r>
+                        </m:e>
+                      </m:acc>
+                    </m:oMath>
+                  </m:oMathPara>
+                </a14:m>
+                <a:endParaRPr lang="en-US" dirty="0"/>
+              </a:p>
+            </p:txBody>
+          </p:sp>
+        </mc:Choice>
+        <mc:Fallback xmlns="">
+          <p:sp>
+            <p:nvSpPr>
+              <p:cNvPr id="21" name="TextBox 20">
+                <a:extLst>
+                  <a:ext uri="{FF2B5EF4-FFF2-40B4-BE49-F238E27FC236}">
+                    <a16:creationId xmlns:a16="http://schemas.microsoft.com/office/drawing/2014/main" id="{E9998498-0836-4958-4F45-9E1AF4324568}"/>
+                  </a:ext>
+                </a:extLst>
+              </p:cNvPr>
+              <p:cNvSpPr txBox="1">
+                <a:spLocks noRot="1" noChangeAspect="1" noMove="1" noResize="1" noEditPoints="1" noAdjustHandles="1" noChangeArrowheads="1" noChangeShapeType="1" noTextEdit="1"/>
+              </p:cNvSpPr>
+              <p:nvPr/>
+            </p:nvSpPr>
+            <p:spPr>
+              <a:xfrm>
+                <a:off x="5296029" y="2680513"/>
+                <a:ext cx="306516" cy="369332"/>
+              </a:xfrm>
+              <a:prstGeom prst="rect">
+                <a:avLst/>
+              </a:prstGeom>
+              <a:blipFill>
+                <a:blip r:embed="rId11"/>
+                <a:stretch>
+                  <a:fillRect t="-6667" r="-34000"/>
+                </a:stretch>
+              </a:blipFill>
+            </p:spPr>
+            <p:txBody>
+              <a:bodyPr/>
+              <a:lstStyle/>
+              <a:p>
+                <a:r>
+                  <a:rPr lang="en-US">
+                    <a:noFill/>
+                  </a:rPr>
+                  <a:t> </a:t>
+                </a:r>
+              </a:p>
+            </p:txBody>
+          </p:sp>
+        </mc:Fallback>
+      </mc:AlternateContent>
+      <mc:AlternateContent xmlns:mc="http://schemas.openxmlformats.org/markup-compatibility/2006" xmlns:a14="http://schemas.microsoft.com/office/drawing/2010/main">
+        <mc:Choice Requires="a14">
+          <p:sp>
+            <p:nvSpPr>
+              <p:cNvPr id="25" name="TextBox 24">
+                <a:extLst>
+                  <a:ext uri="{FF2B5EF4-FFF2-40B4-BE49-F238E27FC236}">
+                    <a16:creationId xmlns:a16="http://schemas.microsoft.com/office/drawing/2014/main" id="{38D910C3-2068-2E7C-A940-D80A1361845D}"/>
+                  </a:ext>
+                </a:extLst>
+              </p:cNvPr>
+              <p:cNvSpPr txBox="1"/>
+              <p:nvPr/>
+            </p:nvSpPr>
+            <p:spPr>
+              <a:xfrm>
+                <a:off x="4603592" y="2351867"/>
+                <a:ext cx="306516" cy="369332"/>
+              </a:xfrm>
+              <a:prstGeom prst="rect">
+                <a:avLst/>
+              </a:prstGeom>
+              <a:noFill/>
+            </p:spPr>
+            <p:txBody>
+              <a:bodyPr wrap="square" rtlCol="0">
+                <a:spAutoFit/>
+              </a:bodyPr>
+              <a:lstStyle/>
+              <a:p>
+                <a:pPr/>
+                <a14:m>
+                  <m:oMathPara xmlns:m="http://schemas.openxmlformats.org/officeDocument/2006/math">
+                    <m:oMathParaPr>
+                      <m:jc m:val="centerGroup"/>
+                    </m:oMathParaPr>
+                    <m:oMath xmlns:m="http://schemas.openxmlformats.org/officeDocument/2006/math">
+                      <m:acc>
+                        <m:accPr>
+                          <m:chr m:val="̂"/>
+                          <m:ctrlPr>
+                            <a:rPr lang="en-US" b="0" i="1" smtClean="0">
+                              <a:latin typeface="Cambria Math" panose="02040503050406030204" pitchFamily="18" charset="0"/>
+                            </a:rPr>
+                          </m:ctrlPr>
+                        </m:accPr>
+                        <m:e>
+                          <m:r>
+                            <a:rPr lang="en-US" b="0" i="1" smtClean="0">
+                              <a:latin typeface="Cambria Math" panose="02040503050406030204" pitchFamily="18" charset="0"/>
+                            </a:rPr>
+                            <m:t>𝑦</m:t>
+                          </m:r>
+                        </m:e>
+                      </m:acc>
+                    </m:oMath>
+                  </m:oMathPara>
+                </a14:m>
+                <a:endParaRPr lang="en-US" dirty="0"/>
+              </a:p>
+            </p:txBody>
+          </p:sp>
+        </mc:Choice>
+        <mc:Fallback xmlns="">
+          <p:sp>
+            <p:nvSpPr>
+              <p:cNvPr id="25" name="TextBox 24">
+                <a:extLst>
+                  <a:ext uri="{FF2B5EF4-FFF2-40B4-BE49-F238E27FC236}">
+                    <a16:creationId xmlns:a16="http://schemas.microsoft.com/office/drawing/2014/main" id="{38D910C3-2068-2E7C-A940-D80A1361845D}"/>
+                  </a:ext>
+                </a:extLst>
+              </p:cNvPr>
+              <p:cNvSpPr txBox="1">
+                <a:spLocks noRot="1" noChangeAspect="1" noMove="1" noResize="1" noEditPoints="1" noAdjustHandles="1" noChangeArrowheads="1" noChangeShapeType="1" noTextEdit="1"/>
+              </p:cNvSpPr>
+              <p:nvPr/>
+            </p:nvSpPr>
+            <p:spPr>
+              <a:xfrm>
+                <a:off x="4603592" y="2351867"/>
+                <a:ext cx="306516" cy="369332"/>
+              </a:xfrm>
+              <a:prstGeom prst="rect">
+                <a:avLst/>
+              </a:prstGeom>
+              <a:blipFill>
+                <a:blip r:embed="rId12"/>
+                <a:stretch>
+                  <a:fillRect t="-6667" r="-12000" b="-6667"/>
+                </a:stretch>
+              </a:blipFill>
+            </p:spPr>
+            <p:txBody>
+              <a:bodyPr/>
+              <a:lstStyle/>
+              <a:p>
+                <a:r>
+                  <a:rPr lang="en-US">
+                    <a:noFill/>
+                  </a:rPr>
+                  <a:t> </a:t>
+                </a:r>
+              </a:p>
+            </p:txBody>
+          </p:sp>
+        </mc:Fallback>
+      </mc:AlternateContent>
+      <p:sp>
+        <p:nvSpPr>
+          <p:cNvPr id="41" name="Rectangle 40">
+            <a:extLst>
+              <a:ext uri="{FF2B5EF4-FFF2-40B4-BE49-F238E27FC236}">
+                <a16:creationId xmlns:a16="http://schemas.microsoft.com/office/drawing/2014/main" id="{24410FA2-0662-5282-CC77-FD27C7368AC0}"/>
+              </a:ext>
+            </a:extLst>
+          </p:cNvPr>
+          <p:cNvSpPr/>
+          <p:nvPr/>
+        </p:nvSpPr>
+        <p:spPr>
+          <a:xfrm rot="16200000">
+            <a:off x="9082606" y="3303749"/>
+            <a:ext cx="1432468" cy="74729"/>
+          </a:xfrm>
+          <a:prstGeom prst="rect">
+            <a:avLst/>
+          </a:prstGeom>
+          <a:solidFill>
+            <a:schemeClr val="bg2"/>
+          </a:solidFill>
+          <a:ln w="28575">
+            <a:solidFill>
+              <a:schemeClr val="tx1"/>
+            </a:solidFill>
+          </a:ln>
+        </p:spPr>
+        <p:style>
+          <a:lnRef idx="2">
+            <a:schemeClr val="accent1">
+              <a:shade val="15000"/>
+            </a:schemeClr>
+          </a:lnRef>
+          <a:fillRef idx="1">
+            <a:schemeClr val="accent1"/>
+          </a:fillRef>
+          <a:effectRef idx="0">
+            <a:schemeClr val="accent1"/>
+          </a:effectRef>
+          <a:fontRef idx="minor">
+            <a:schemeClr val="lt1"/>
+          </a:fontRef>
+        </p:style>
+        <p:txBody>
+          <a:bodyPr rtlCol="0" anchor="ctr"/>
+          <a:lstStyle/>
+          <a:p>
+            <a:pPr algn="ctr"/>
+            <a:endParaRPr lang="en-US"/>
+          </a:p>
+        </p:txBody>
+      </p:sp>
+      <mc:AlternateContent xmlns:mc="http://schemas.openxmlformats.org/markup-compatibility/2006" xmlns:a14="http://schemas.microsoft.com/office/drawing/2010/main">
+        <mc:Choice Requires="a14">
+          <p:sp>
+            <p:nvSpPr>
+              <p:cNvPr id="46" name="TextBox 45">
+                <a:extLst>
+                  <a:ext uri="{FF2B5EF4-FFF2-40B4-BE49-F238E27FC236}">
+                    <a16:creationId xmlns:a16="http://schemas.microsoft.com/office/drawing/2014/main" id="{026C3E02-97F6-B410-623D-0314A6C41E74}"/>
+                  </a:ext>
+                </a:extLst>
+              </p:cNvPr>
+              <p:cNvSpPr txBox="1"/>
+              <p:nvPr/>
+            </p:nvSpPr>
+            <p:spPr>
+              <a:xfrm>
+                <a:off x="7969066" y="3505597"/>
+                <a:ext cx="1065440" cy="391261"/>
+              </a:xfrm>
+              <a:prstGeom prst="rect">
+                <a:avLst/>
+              </a:prstGeom>
+              <a:noFill/>
+            </p:spPr>
+            <p:txBody>
+              <a:bodyPr wrap="square" rtlCol="0">
+                <a:spAutoFit/>
+              </a:bodyPr>
+              <a:lstStyle/>
+              <a:p>
+                <a:pPr/>
+                <a14:m>
+                  <m:oMathPara xmlns:m="http://schemas.openxmlformats.org/officeDocument/2006/math">
+                    <m:oMathParaPr>
+                      <m:jc m:val="centerGroup"/>
+                    </m:oMathParaPr>
+                    <m:oMath xmlns:m="http://schemas.openxmlformats.org/officeDocument/2006/math">
+                      <m:sSub>
+                        <m:sSubPr>
+                          <m:ctrlPr>
+                            <a:rPr lang="en-US" b="0" i="1" smtClean="0">
+                              <a:latin typeface="Cambria Math" panose="02040503050406030204" pitchFamily="18" charset="0"/>
+                            </a:rPr>
+                          </m:ctrlPr>
+                        </m:sSubPr>
+                        <m:e>
+                          <m:r>
+                            <a:rPr lang="en-US" b="1" i="1" smtClean="0">
+                              <a:latin typeface="Cambria Math" panose="02040503050406030204" pitchFamily="18" charset="0"/>
+                            </a:rPr>
+                            <m:t>𝑬</m:t>
+                          </m:r>
+                        </m:e>
+                        <m:sub>
+                          <m:r>
+                            <a:rPr lang="en-US" b="0" i="1" smtClean="0">
+                              <a:latin typeface="Cambria Math" panose="02040503050406030204" pitchFamily="18" charset="0"/>
+                            </a:rPr>
+                            <m:t>𝑦</m:t>
+                          </m:r>
+                          <m:r>
+                            <a:rPr lang="en-US" b="0" i="1" smtClean="0">
+                              <a:latin typeface="Cambria Math" panose="02040503050406030204" pitchFamily="18" charset="0"/>
+                            </a:rPr>
+                            <m:t>,</m:t>
+                          </m:r>
+                          <m:r>
+                            <a:rPr lang="en-US" b="0" i="1" smtClean="0">
+                              <a:latin typeface="Cambria Math" panose="02040503050406030204" pitchFamily="18" charset="0"/>
+                            </a:rPr>
+                            <m:t>𝑠𝑟𝑐</m:t>
+                          </m:r>
+                        </m:sub>
+                      </m:sSub>
+                    </m:oMath>
+                  </m:oMathPara>
+                </a14:m>
+                <a:endParaRPr lang="en-US" b="1" dirty="0"/>
+              </a:p>
+            </p:txBody>
+          </p:sp>
+        </mc:Choice>
+        <mc:Fallback xmlns="">
+          <p:sp>
+            <p:nvSpPr>
+              <p:cNvPr id="46" name="TextBox 45">
+                <a:extLst>
+                  <a:ext uri="{FF2B5EF4-FFF2-40B4-BE49-F238E27FC236}">
+                    <a16:creationId xmlns:a16="http://schemas.microsoft.com/office/drawing/2014/main" id="{026C3E02-97F6-B410-623D-0314A6C41E74}"/>
+                  </a:ext>
+                </a:extLst>
+              </p:cNvPr>
+              <p:cNvSpPr txBox="1">
+                <a:spLocks noRot="1" noChangeAspect="1" noMove="1" noResize="1" noEditPoints="1" noAdjustHandles="1" noChangeArrowheads="1" noChangeShapeType="1" noTextEdit="1"/>
+              </p:cNvSpPr>
+              <p:nvPr/>
+            </p:nvSpPr>
+            <p:spPr>
+              <a:xfrm>
+                <a:off x="7969066" y="3505597"/>
+                <a:ext cx="1065440" cy="391261"/>
+              </a:xfrm>
+              <a:prstGeom prst="rect">
+                <a:avLst/>
+              </a:prstGeom>
+              <a:blipFill>
+                <a:blip r:embed="rId13"/>
+                <a:stretch>
+                  <a:fillRect b="-4688"/>
+                </a:stretch>
+              </a:blipFill>
+            </p:spPr>
+            <p:txBody>
+              <a:bodyPr/>
+              <a:lstStyle/>
+              <a:p>
+                <a:r>
+                  <a:rPr lang="en-US">
+                    <a:noFill/>
+                  </a:rPr>
+                  <a:t> </a:t>
+                </a:r>
+              </a:p>
+            </p:txBody>
+          </p:sp>
+        </mc:Fallback>
+      </mc:AlternateContent>
+      <p:cxnSp>
+        <p:nvCxnSpPr>
+          <p:cNvPr id="49" name="Straight Arrow Connector 48">
+            <a:extLst>
+              <a:ext uri="{FF2B5EF4-FFF2-40B4-BE49-F238E27FC236}">
+                <a16:creationId xmlns:a16="http://schemas.microsoft.com/office/drawing/2014/main" id="{D26802F9-888B-C6A7-A35A-6C41F8696245}"/>
+              </a:ext>
+            </a:extLst>
+          </p:cNvPr>
+          <p:cNvCxnSpPr>
+            <a:cxnSpLocks/>
+          </p:cNvCxnSpPr>
+          <p:nvPr/>
+        </p:nvCxnSpPr>
+        <p:spPr>
+          <a:xfrm flipH="1">
+            <a:off x="8740138" y="3354888"/>
+            <a:ext cx="750941" cy="0"/>
+          </a:xfrm>
+          <a:prstGeom prst="straightConnector1">
+            <a:avLst/>
+          </a:prstGeom>
+          <a:ln w="28575">
+            <a:solidFill>
+              <a:schemeClr val="tx1"/>
+            </a:solidFill>
+            <a:tailEnd type="triangle"/>
+          </a:ln>
+        </p:spPr>
+        <p:style>
+          <a:lnRef idx="1">
+            <a:schemeClr val="accent1"/>
+          </a:lnRef>
+          <a:fillRef idx="0">
+            <a:schemeClr val="accent1"/>
+          </a:fillRef>
+          <a:effectRef idx="0">
+            <a:schemeClr val="accent1"/>
+          </a:effectRef>
+          <a:fontRef idx="minor">
+            <a:schemeClr val="tx1"/>
+          </a:fontRef>
+        </p:style>
+      </p:cxnSp>
+      <p:cxnSp>
+        <p:nvCxnSpPr>
+          <p:cNvPr id="52" name="Straight Connector 51">
+            <a:extLst>
+              <a:ext uri="{FF2B5EF4-FFF2-40B4-BE49-F238E27FC236}">
+                <a16:creationId xmlns:a16="http://schemas.microsoft.com/office/drawing/2014/main" id="{85CD6AA6-BA1C-BEBD-C3B9-80FEC73B9C47}"/>
+              </a:ext>
+            </a:extLst>
+          </p:cNvPr>
+          <p:cNvCxnSpPr/>
+          <p:nvPr/>
+        </p:nvCxnSpPr>
+        <p:spPr>
+          <a:xfrm>
+            <a:off x="8962255" y="2976503"/>
+            <a:ext cx="0" cy="729218"/>
+          </a:xfrm>
+          <a:prstGeom prst="line">
             <a:avLst/>
           </a:prstGeom>
           <a:ln w="28575">
@@ -4777,12 +5893,207 @@
             <a:schemeClr val="tx1"/>
           </a:fontRef>
         </p:style>
-        <p:txBody>
-          <a:bodyPr rtlCol="0" anchor="ctr"/>
+      </p:cxnSp>
+      <p:cxnSp>
+        <p:nvCxnSpPr>
+          <p:cNvPr id="53" name="Straight Connector 52">
+            <a:extLst>
+              <a:ext uri="{FF2B5EF4-FFF2-40B4-BE49-F238E27FC236}">
+                <a16:creationId xmlns:a16="http://schemas.microsoft.com/office/drawing/2014/main" id="{93E08D3F-BE03-5BA4-5A8C-BF21D5C4A118}"/>
+              </a:ext>
+            </a:extLst>
+          </p:cNvPr>
+          <p:cNvCxnSpPr/>
+          <p:nvPr/>
+        </p:nvCxnSpPr>
+        <p:spPr>
+          <a:xfrm>
+            <a:off x="9092496" y="2976503"/>
+            <a:ext cx="0" cy="729218"/>
+          </a:xfrm>
+          <a:prstGeom prst="line">
+            <a:avLst/>
+          </a:prstGeom>
+          <a:ln w="28575">
+            <a:solidFill>
+              <a:schemeClr val="tx1"/>
+            </a:solidFill>
+          </a:ln>
+        </p:spPr>
+        <p:style>
+          <a:lnRef idx="1">
+            <a:schemeClr val="accent1"/>
+          </a:lnRef>
+          <a:fillRef idx="0">
+            <a:schemeClr val="accent1"/>
+          </a:fillRef>
+          <a:effectRef idx="0">
+            <a:schemeClr val="accent1"/>
+          </a:effectRef>
+          <a:fontRef idx="minor">
+            <a:schemeClr val="tx1"/>
+          </a:fontRef>
+        </p:style>
+      </p:cxnSp>
+      <p:cxnSp>
+        <p:nvCxnSpPr>
+          <p:cNvPr id="54" name="Straight Connector 53">
+            <a:extLst>
+              <a:ext uri="{FF2B5EF4-FFF2-40B4-BE49-F238E27FC236}">
+                <a16:creationId xmlns:a16="http://schemas.microsoft.com/office/drawing/2014/main" id="{DC7126B2-089E-8126-5E04-4A520C4095FE}"/>
+              </a:ext>
+            </a:extLst>
+          </p:cNvPr>
+          <p:cNvCxnSpPr/>
+          <p:nvPr/>
+        </p:nvCxnSpPr>
+        <p:spPr>
+          <a:xfrm>
+            <a:off x="9232196" y="2976503"/>
+            <a:ext cx="0" cy="729218"/>
+          </a:xfrm>
+          <a:prstGeom prst="line">
+            <a:avLst/>
+          </a:prstGeom>
+          <a:ln w="28575">
+            <a:solidFill>
+              <a:schemeClr val="tx1"/>
+            </a:solidFill>
+          </a:ln>
+        </p:spPr>
+        <p:style>
+          <a:lnRef idx="1">
+            <a:schemeClr val="accent1"/>
+          </a:lnRef>
+          <a:fillRef idx="0">
+            <a:schemeClr val="accent1"/>
+          </a:fillRef>
+          <a:effectRef idx="0">
+            <a:schemeClr val="accent1"/>
+          </a:effectRef>
+          <a:fontRef idx="minor">
+            <a:schemeClr val="tx1"/>
+          </a:fontRef>
+        </p:style>
+      </p:cxnSp>
+      <p:cxnSp>
+        <p:nvCxnSpPr>
+          <p:cNvPr id="55" name="Straight Connector 54">
+            <a:extLst>
+              <a:ext uri="{FF2B5EF4-FFF2-40B4-BE49-F238E27FC236}">
+                <a16:creationId xmlns:a16="http://schemas.microsoft.com/office/drawing/2014/main" id="{F96316A5-73A0-49E7-BAFE-283E4B3763AC}"/>
+              </a:ext>
+            </a:extLst>
+          </p:cNvPr>
+          <p:cNvCxnSpPr/>
+          <p:nvPr/>
+        </p:nvCxnSpPr>
+        <p:spPr>
+          <a:xfrm>
+            <a:off x="9371896" y="2976503"/>
+            <a:ext cx="0" cy="729218"/>
+          </a:xfrm>
+          <a:prstGeom prst="line">
+            <a:avLst/>
+          </a:prstGeom>
+          <a:ln w="28575">
+            <a:solidFill>
+              <a:schemeClr val="tx1"/>
+            </a:solidFill>
+          </a:ln>
+        </p:spPr>
+        <p:style>
+          <a:lnRef idx="1">
+            <a:schemeClr val="accent1"/>
+          </a:lnRef>
+          <a:fillRef idx="0">
+            <a:schemeClr val="accent1"/>
+          </a:fillRef>
+          <a:effectRef idx="0">
+            <a:schemeClr val="accent1"/>
+          </a:effectRef>
+          <a:fontRef idx="minor">
+            <a:schemeClr val="tx1"/>
+          </a:fontRef>
+        </p:style>
+      </p:cxnSp>
+      <p:sp>
+        <p:nvSpPr>
+          <p:cNvPr id="65" name="TextBox 64">
+            <a:extLst>
+              <a:ext uri="{FF2B5EF4-FFF2-40B4-BE49-F238E27FC236}">
+                <a16:creationId xmlns:a16="http://schemas.microsoft.com/office/drawing/2014/main" id="{9BA13992-2299-A221-6EF1-8275C972A8BE}"/>
+              </a:ext>
+            </a:extLst>
+          </p:cNvPr>
+          <p:cNvSpPr txBox="1"/>
+          <p:nvPr/>
+        </p:nvSpPr>
+        <p:spPr>
+          <a:xfrm>
+            <a:off x="1502185" y="5341007"/>
+            <a:ext cx="752518" cy="369332"/>
+          </a:xfrm>
+          <a:prstGeom prst="rect">
+            <a:avLst/>
+          </a:prstGeom>
+          <a:noFill/>
+        </p:spPr>
+        <p:txBody>
+          <a:bodyPr wrap="square" rtlCol="0">
+            <a:spAutoFit/>
+          </a:bodyPr>
           <a:lstStyle/>
           <a:p>
             <a:pPr algn="ctr"/>
-            <a:endParaRPr lang="en-US"/>
+            <a:r>
+              <a:rPr lang="en-US" dirty="0">
+                <a:latin typeface="CMU Sans Serif" panose="02000603000000000000" pitchFamily="2" charset="0"/>
+                <a:ea typeface="CMU Sans Serif" panose="02000603000000000000" pitchFamily="2" charset="0"/>
+                <a:cs typeface="CMU Sans Serif" panose="02000603000000000000" pitchFamily="2" charset="0"/>
+              </a:rPr>
+              <a:t>(a)</a:t>
+            </a:r>
+          </a:p>
+        </p:txBody>
+      </p:sp>
+      <p:sp>
+        <p:nvSpPr>
+          <p:cNvPr id="67" name="TextBox 66">
+            <a:extLst>
+              <a:ext uri="{FF2B5EF4-FFF2-40B4-BE49-F238E27FC236}">
+                <a16:creationId xmlns:a16="http://schemas.microsoft.com/office/drawing/2014/main" id="{3108D9AC-CD3A-5E0F-6CEB-2A0FD0797774}"/>
+              </a:ext>
+            </a:extLst>
+          </p:cNvPr>
+          <p:cNvSpPr txBox="1"/>
+          <p:nvPr/>
+        </p:nvSpPr>
+        <p:spPr>
+          <a:xfrm>
+            <a:off x="6959548" y="5341007"/>
+            <a:ext cx="752518" cy="369332"/>
+          </a:xfrm>
+          <a:prstGeom prst="rect">
+            <a:avLst/>
+          </a:prstGeom>
+          <a:noFill/>
+        </p:spPr>
+        <p:txBody>
+          <a:bodyPr wrap="square" rtlCol="0">
+            <a:spAutoFit/>
+          </a:bodyPr>
+          <a:lstStyle/>
+          <a:p>
+            <a:pPr algn="ctr"/>
+            <a:r>
+              <a:rPr lang="en-US" dirty="0">
+                <a:latin typeface="CMU Sans Serif" panose="02000603000000000000" pitchFamily="2" charset="0"/>
+                <a:ea typeface="CMU Sans Serif" panose="02000603000000000000" pitchFamily="2" charset="0"/>
+                <a:cs typeface="CMU Sans Serif" panose="02000603000000000000" pitchFamily="2" charset="0"/>
+              </a:rPr>
+              <a:t>(b)</a:t>
+            </a:r>
           </a:p>
         </p:txBody>
       </p:sp>

--- a/report/figures/Figures.pptx
+++ b/report/figures/Figures.pptx
@@ -3326,53 +3326,6 @@
           <a:chExt cx="0" cy="0"/>
         </a:xfrm>
       </p:grpSpPr>
-      <p:cxnSp>
-        <p:nvCxnSpPr>
-          <p:cNvPr id="22" name="Straight Connector 21">
-            <a:extLst>
-              <a:ext uri="{FF2B5EF4-FFF2-40B4-BE49-F238E27FC236}">
-                <a16:creationId xmlns:a16="http://schemas.microsoft.com/office/drawing/2014/main" id="{EC1FA72F-2BC7-5B61-BF07-EA075AF6DAE1}"/>
-              </a:ext>
-            </a:extLst>
-          </p:cNvPr>
-          <p:cNvCxnSpPr>
-            <a:cxnSpLocks/>
-            <a:endCxn id="18" idx="0"/>
-          </p:cNvCxnSpPr>
-          <p:nvPr/>
-        </p:nvCxnSpPr>
-        <p:spPr>
-          <a:xfrm flipV="1">
-            <a:off x="1038188" y="3429000"/>
-            <a:ext cx="871268" cy="1199071"/>
-          </a:xfrm>
-          <a:prstGeom prst="line">
-            <a:avLst/>
-          </a:prstGeom>
-          <a:ln w="28575">
-            <a:solidFill>
-              <a:schemeClr val="tx1">
-                <a:lumMod val="95000"/>
-                <a:lumOff val="5000"/>
-              </a:schemeClr>
-            </a:solidFill>
-          </a:ln>
-        </p:spPr>
-        <p:style>
-          <a:lnRef idx="1">
-            <a:schemeClr val="accent1"/>
-          </a:lnRef>
-          <a:fillRef idx="0">
-            <a:schemeClr val="accent1"/>
-          </a:fillRef>
-          <a:effectRef idx="0">
-            <a:schemeClr val="accent1"/>
-          </a:effectRef>
-          <a:fontRef idx="minor">
-            <a:schemeClr val="tx1"/>
-          </a:fontRef>
-        </p:style>
-      </p:cxnSp>
       <p:sp>
         <p:nvSpPr>
           <p:cNvPr id="18" name="Frame 17">
@@ -3788,8 +3741,8 @@
           </a:p>
         </p:txBody>
       </p:sp>
-      <mc:AlternateContent xmlns:mc="http://schemas.openxmlformats.org/markup-compatibility/2006" xmlns:a14="http://schemas.microsoft.com/office/drawing/2010/main">
-        <mc:Choice Requires="a14">
+      <mc:AlternateContent xmlns:mc="http://schemas.openxmlformats.org/markup-compatibility/2006">
+        <mc:Choice xmlns:a14="http://schemas.microsoft.com/office/drawing/2010/main" Requires="a14">
           <p:sp>
             <p:nvSpPr>
               <p:cNvPr id="40" name="TextBox 39">
@@ -3804,8 +3757,8 @@
             </p:nvSpPr>
             <p:spPr>
               <a:xfrm>
-                <a:off x="1566237" y="3791398"/>
-                <a:ext cx="1189165" cy="646331"/>
+                <a:off x="1187305" y="3655251"/>
+                <a:ext cx="1392926" cy="830997"/>
               </a:xfrm>
               <a:prstGeom prst="rect">
                 <a:avLst/>
@@ -3820,7 +3773,7 @@
               <a:p>
                 <a:pPr algn="ctr"/>
                 <a:r>
-                  <a:rPr lang="en-US" dirty="0">
+                  <a:rPr lang="en-US" sz="2400" dirty="0">
                     <a:latin typeface="CMU Sans Serif" panose="02000603000000000000" pitchFamily="2" charset="0"/>
                     <a:ea typeface="CMU Sans Serif" panose="02000603000000000000" pitchFamily="2" charset="0"/>
                     <a:cs typeface="CMU Sans Serif" panose="02000603000000000000" pitchFamily="2" charset="0"/>
@@ -3832,14 +3785,14 @@
                     <m:sSub>
                       <m:sSubPr>
                         <m:ctrlPr>
-                          <a:rPr lang="en-US" b="0" i="1" smtClean="0">
+                          <a:rPr lang="en-US" sz="2400" b="0" i="1" smtClean="0">
                             <a:latin typeface="Cambria Math" panose="02040503050406030204" pitchFamily="18" charset="0"/>
                           </a:rPr>
                         </m:ctrlPr>
                       </m:sSubPr>
                       <m:e>
                         <m:r>
-                          <a:rPr lang="en-US" b="0" i="1" smtClean="0">
+                          <a:rPr lang="en-US" sz="2400" b="0" i="1" smtClean="0">
                             <a:latin typeface="Cambria Math" panose="02040503050406030204" pitchFamily="18" charset="0"/>
                           </a:rPr>
                           <m:t>𝜖</m:t>
@@ -3847,7 +3800,7 @@
                       </m:e>
                       <m:sub>
                         <m:r>
-                          <a:rPr lang="en-US" b="0" i="1" smtClean="0">
+                          <a:rPr lang="en-US" sz="2400" b="0" i="1" smtClean="0">
                             <a:latin typeface="Cambria Math" panose="02040503050406030204" pitchFamily="18" charset="0"/>
                           </a:rPr>
                           <m:t>1</m:t>
@@ -3855,7 +3808,7 @@
                       </m:sub>
                     </m:sSub>
                     <m:r>
-                      <a:rPr lang="en-US" b="0" i="1" smtClean="0">
+                      <a:rPr lang="en-US" sz="2400" b="0" i="1" smtClean="0">
                         <a:latin typeface="Cambria Math" panose="02040503050406030204" pitchFamily="18" charset="0"/>
                       </a:rPr>
                       <m:t>, </m:t>
@@ -3863,14 +3816,14 @@
                     <m:sSub>
                       <m:sSubPr>
                         <m:ctrlPr>
-                          <a:rPr lang="en-US" b="0" i="1" smtClean="0">
+                          <a:rPr lang="en-US" sz="2400" b="0" i="1" smtClean="0">
                             <a:latin typeface="Cambria Math" panose="02040503050406030204" pitchFamily="18" charset="0"/>
                           </a:rPr>
                         </m:ctrlPr>
                       </m:sSubPr>
                       <m:e>
                         <m:r>
-                          <a:rPr lang="en-US" b="0" i="1" smtClean="0">
+                          <a:rPr lang="en-US" sz="2400" b="0" i="1" smtClean="0">
                             <a:latin typeface="Cambria Math" panose="02040503050406030204" pitchFamily="18" charset="0"/>
                           </a:rPr>
                           <m:t>𝜇</m:t>
@@ -3878,7 +3831,7 @@
                       </m:e>
                       <m:sub>
                         <m:r>
-                          <a:rPr lang="en-US" b="0" i="1" smtClean="0">
+                          <a:rPr lang="en-US" sz="2400" b="0" i="1" smtClean="0">
                             <a:latin typeface="Cambria Math" panose="02040503050406030204" pitchFamily="18" charset="0"/>
                           </a:rPr>
                           <m:t>1</m:t>
@@ -3887,7 +3840,7 @@
                     </m:sSub>
                   </m:oMath>
                 </a14:m>
-                <a:endParaRPr lang="en-US" dirty="0">
+                <a:endParaRPr lang="en-US" sz="2400" dirty="0">
                   <a:latin typeface="CMU Sans Serif" panose="02000603000000000000" pitchFamily="2" charset="0"/>
                   <a:ea typeface="CMU Sans Serif" panose="02000603000000000000" pitchFamily="2" charset="0"/>
                   <a:cs typeface="CMU Sans Serif" panose="02000603000000000000" pitchFamily="2" charset="0"/>
@@ -3896,7 +3849,7 @@
             </p:txBody>
           </p:sp>
         </mc:Choice>
-        <mc:Fallback xmlns="">
+        <mc:Fallback>
           <p:sp>
             <p:nvSpPr>
               <p:cNvPr id="40" name="TextBox 39">
@@ -3913,8 +3866,8 @@
             </p:nvSpPr>
             <p:spPr>
               <a:xfrm>
-                <a:off x="1566237" y="3791398"/>
-                <a:ext cx="1189165" cy="646331"/>
+                <a:off x="1187305" y="3655251"/>
+                <a:ext cx="1392926" cy="830997"/>
               </a:xfrm>
               <a:prstGeom prst="rect">
                 <a:avLst/>
@@ -3922,7 +3875,7 @@
               <a:blipFill>
                 <a:blip r:embed="rId2"/>
                 <a:stretch>
-                  <a:fillRect t="-5660" r="-513"/>
+                  <a:fillRect l="-6579" t="-5147" r="-5702" b="-2206"/>
                 </a:stretch>
               </a:blipFill>
             </p:spPr>
@@ -4073,8 +4026,8 @@
           </a:fontRef>
         </p:style>
       </p:cxnSp>
-      <mc:AlternateContent xmlns:mc="http://schemas.openxmlformats.org/markup-compatibility/2006" xmlns:a14="http://schemas.microsoft.com/office/drawing/2010/main">
-        <mc:Choice Requires="a14">
+      <mc:AlternateContent xmlns:mc="http://schemas.openxmlformats.org/markup-compatibility/2006">
+        <mc:Choice xmlns:a14="http://schemas.microsoft.com/office/drawing/2010/main" Requires="a14">
           <p:sp>
             <p:nvSpPr>
               <p:cNvPr id="56" name="TextBox 55">
@@ -4089,8 +4042,8 @@
             </p:nvSpPr>
             <p:spPr>
               <a:xfrm>
-                <a:off x="1256518" y="3122412"/>
-                <a:ext cx="306516" cy="369332"/>
+                <a:off x="1317358" y="3062082"/>
+                <a:ext cx="306516" cy="461665"/>
               </a:xfrm>
               <a:prstGeom prst="rect">
                 <a:avLst/>
@@ -4114,14 +4067,14 @@
                         <m:accPr>
                           <m:chr m:val="̂"/>
                           <m:ctrlPr>
-                            <a:rPr lang="en-US" b="0" i="1" smtClean="0">
+                            <a:rPr lang="en-US" sz="2400" b="0" i="1" smtClean="0">
                               <a:latin typeface="Cambria Math" panose="02040503050406030204" pitchFamily="18" charset="0"/>
                             </a:rPr>
                           </m:ctrlPr>
                         </m:accPr>
                         <m:e>
                           <m:r>
-                            <a:rPr lang="en-US" b="0" i="1" smtClean="0">
+                            <a:rPr lang="en-US" sz="2400" b="0" i="1" smtClean="0">
                               <a:latin typeface="Cambria Math" panose="02040503050406030204" pitchFamily="18" charset="0"/>
                             </a:rPr>
                             <m:t>𝑥</m:t>
@@ -4131,12 +4084,12 @@
                     </m:oMath>
                   </m:oMathPara>
                 </a14:m>
-                <a:endParaRPr lang="en-US" dirty="0"/>
+                <a:endParaRPr lang="en-US" sz="2400" dirty="0"/>
               </a:p>
             </p:txBody>
           </p:sp>
         </mc:Choice>
-        <mc:Fallback xmlns="">
+        <mc:Fallback>
           <p:sp>
             <p:nvSpPr>
               <p:cNvPr id="56" name="TextBox 55">
@@ -4153,8 +4106,8 @@
             </p:nvSpPr>
             <p:spPr>
               <a:xfrm>
-                <a:off x="1256518" y="3122412"/>
-                <a:ext cx="306516" cy="369332"/>
+                <a:off x="1317358" y="3062082"/>
+                <a:ext cx="306516" cy="461665"/>
               </a:xfrm>
               <a:prstGeom prst="rect">
                 <a:avLst/>
@@ -4162,7 +4115,7 @@
               <a:blipFill>
                 <a:blip r:embed="rId3"/>
                 <a:stretch>
-                  <a:fillRect t="-6557" r="-10000"/>
+                  <a:fillRect t="-3947" r="-20000"/>
                 </a:stretch>
               </a:blipFill>
             </p:spPr>
@@ -4181,8 +4134,8 @@
           </p:sp>
         </mc:Fallback>
       </mc:AlternateContent>
-      <mc:AlternateContent xmlns:mc="http://schemas.openxmlformats.org/markup-compatibility/2006" xmlns:a14="http://schemas.microsoft.com/office/drawing/2010/main">
-        <mc:Choice Requires="a14">
+      <mc:AlternateContent xmlns:mc="http://schemas.openxmlformats.org/markup-compatibility/2006">
+        <mc:Choice xmlns:a14="http://schemas.microsoft.com/office/drawing/2010/main" Requires="a14">
           <p:sp>
             <p:nvSpPr>
               <p:cNvPr id="57" name="TextBox 56">
@@ -4197,8 +4150,8 @@
             </p:nvSpPr>
             <p:spPr>
               <a:xfrm>
-                <a:off x="795329" y="2640052"/>
-                <a:ext cx="306516" cy="369332"/>
+                <a:off x="571308" y="2875000"/>
+                <a:ext cx="306516" cy="461665"/>
               </a:xfrm>
               <a:prstGeom prst="rect">
                 <a:avLst/>
@@ -4222,14 +4175,14 @@
                         <m:accPr>
                           <m:chr m:val="̂"/>
                           <m:ctrlPr>
-                            <a:rPr lang="en-US" b="0" i="1" smtClean="0">
+                            <a:rPr lang="en-US" sz="2400" b="0" i="1" smtClean="0">
                               <a:latin typeface="Cambria Math" panose="02040503050406030204" pitchFamily="18" charset="0"/>
                             </a:rPr>
                           </m:ctrlPr>
                         </m:accPr>
                         <m:e>
                           <m:r>
-                            <a:rPr lang="en-US" b="0" i="1" smtClean="0">
+                            <a:rPr lang="en-US" sz="2400" b="0" i="1" smtClean="0">
                               <a:latin typeface="Cambria Math" panose="02040503050406030204" pitchFamily="18" charset="0"/>
                             </a:rPr>
                             <m:t>𝑦</m:t>
@@ -4239,12 +4192,12 @@
                     </m:oMath>
                   </m:oMathPara>
                 </a14:m>
-                <a:endParaRPr lang="en-US" dirty="0"/>
+                <a:endParaRPr lang="en-US" sz="2400" dirty="0"/>
               </a:p>
             </p:txBody>
           </p:sp>
         </mc:Choice>
-        <mc:Fallback xmlns="">
+        <mc:Fallback>
           <p:sp>
             <p:nvSpPr>
               <p:cNvPr id="57" name="TextBox 56">
@@ -4261,8 +4214,8 @@
             </p:nvSpPr>
             <p:spPr>
               <a:xfrm>
-                <a:off x="795329" y="2640052"/>
-                <a:ext cx="306516" cy="369332"/>
+                <a:off x="571308" y="2875000"/>
+                <a:ext cx="306516" cy="461665"/>
               </a:xfrm>
               <a:prstGeom prst="rect">
                 <a:avLst/>
@@ -4270,7 +4223,7 @@
               <a:blipFill>
                 <a:blip r:embed="rId4"/>
                 <a:stretch>
-                  <a:fillRect t="-6557" r="-9804" b="-6557"/>
+                  <a:fillRect l="-6000" t="-4000" r="-22000" b="-10667"/>
                 </a:stretch>
               </a:blipFill>
             </p:spPr>
@@ -4289,8 +4242,8 @@
           </p:sp>
         </mc:Fallback>
       </mc:AlternateContent>
-      <mc:AlternateContent xmlns:mc="http://schemas.openxmlformats.org/markup-compatibility/2006" xmlns:a14="http://schemas.microsoft.com/office/drawing/2010/main">
-        <mc:Choice Requires="a14">
+      <mc:AlternateContent xmlns:mc="http://schemas.openxmlformats.org/markup-compatibility/2006">
+        <mc:Choice xmlns:a14="http://schemas.microsoft.com/office/drawing/2010/main" Requires="a14">
           <p:sp>
             <p:nvSpPr>
               <p:cNvPr id="58" name="TextBox 57">
@@ -4305,8 +4258,8 @@
             </p:nvSpPr>
             <p:spPr>
               <a:xfrm>
-                <a:off x="1293444" y="2774434"/>
-                <a:ext cx="306516" cy="369332"/>
+                <a:off x="1062215" y="2653391"/>
+                <a:ext cx="306516" cy="461665"/>
               </a:xfrm>
               <a:prstGeom prst="rect">
                 <a:avLst/>
@@ -4330,14 +4283,14 @@
                         <m:accPr>
                           <m:chr m:val="̂"/>
                           <m:ctrlPr>
-                            <a:rPr lang="en-US" b="0" i="1" smtClean="0">
+                            <a:rPr lang="en-US" sz="2400" b="0" i="1" smtClean="0">
                               <a:latin typeface="Cambria Math" panose="02040503050406030204" pitchFamily="18" charset="0"/>
                             </a:rPr>
                           </m:ctrlPr>
                         </m:accPr>
                         <m:e>
                           <m:r>
-                            <a:rPr lang="en-US" b="0" i="1" smtClean="0">
+                            <a:rPr lang="en-US" sz="2400" b="0" i="1" smtClean="0">
                               <a:latin typeface="Cambria Math" panose="02040503050406030204" pitchFamily="18" charset="0"/>
                             </a:rPr>
                             <m:t>𝑧</m:t>
@@ -4347,12 +4300,12 @@
                     </m:oMath>
                   </m:oMathPara>
                 </a14:m>
-                <a:endParaRPr lang="en-US" dirty="0"/>
+                <a:endParaRPr lang="en-US" sz="2400" dirty="0"/>
               </a:p>
             </p:txBody>
           </p:sp>
         </mc:Choice>
-        <mc:Fallback xmlns="">
+        <mc:Fallback>
           <p:sp>
             <p:nvSpPr>
               <p:cNvPr id="58" name="TextBox 57">
@@ -4369,8 +4322,8 @@
             </p:nvSpPr>
             <p:spPr>
               <a:xfrm>
-                <a:off x="1293444" y="2774434"/>
-                <a:ext cx="306516" cy="369332"/>
+                <a:off x="1062215" y="2653391"/>
+                <a:ext cx="306516" cy="461665"/>
               </a:xfrm>
               <a:prstGeom prst="rect">
                 <a:avLst/>
@@ -4378,7 +4331,7 @@
               <a:blipFill>
                 <a:blip r:embed="rId5"/>
                 <a:stretch>
-                  <a:fillRect t="-6557" r="-36000"/>
+                  <a:fillRect t="-3947" r="-50980"/>
                 </a:stretch>
               </a:blipFill>
             </p:spPr>
@@ -4397,8 +4350,8 @@
           </p:sp>
         </mc:Fallback>
       </mc:AlternateContent>
-      <mc:AlternateContent xmlns:mc="http://schemas.openxmlformats.org/markup-compatibility/2006" xmlns:a14="http://schemas.microsoft.com/office/drawing/2010/main">
-        <mc:Choice Requires="a14">
+      <mc:AlternateContent xmlns:mc="http://schemas.openxmlformats.org/markup-compatibility/2006">
+        <mc:Choice xmlns:a14="http://schemas.microsoft.com/office/drawing/2010/main" Requires="a14">
           <p:sp>
             <p:nvSpPr>
               <p:cNvPr id="59" name="TextBox 58">
@@ -4414,7 +4367,7 @@
             <p:spPr>
               <a:xfrm>
                 <a:off x="3562970" y="4075981"/>
-                <a:ext cx="189187" cy="369332"/>
+                <a:ext cx="189187" cy="461665"/>
               </a:xfrm>
               <a:prstGeom prst="rect">
                 <a:avLst/>
@@ -4435,7 +4388,7 @@
                     </m:oMathParaPr>
                     <m:oMath xmlns:m="http://schemas.openxmlformats.org/officeDocument/2006/math">
                       <m:r>
-                        <a:rPr lang="en-US" b="0" i="1" smtClean="0">
+                        <a:rPr lang="en-US" sz="2400" b="0" i="1" smtClean="0">
                           <a:latin typeface="Cambria Math" panose="02040503050406030204" pitchFamily="18" charset="0"/>
                         </a:rPr>
                         <m:t>𝑙</m:t>
@@ -4443,12 +4396,12 @@
                     </m:oMath>
                   </m:oMathPara>
                 </a14:m>
-                <a:endParaRPr lang="en-US" dirty="0"/>
+                <a:endParaRPr lang="en-US" sz="2400" dirty="0"/>
               </a:p>
             </p:txBody>
           </p:sp>
         </mc:Choice>
-        <mc:Fallback xmlns="">
+        <mc:Fallback>
           <p:sp>
             <p:nvSpPr>
               <p:cNvPr id="59" name="TextBox 58">
@@ -4466,7 +4419,7 @@
             <p:spPr>
               <a:xfrm>
                 <a:off x="3562970" y="4075981"/>
-                <a:ext cx="189187" cy="369332"/>
+                <a:ext cx="189187" cy="461665"/>
               </a:xfrm>
               <a:prstGeom prst="rect">
                 <a:avLst/>
@@ -4474,7 +4427,7 @@
               <a:blipFill>
                 <a:blip r:embed="rId6"/>
                 <a:stretch>
-                  <a:fillRect r="-28125"/>
+                  <a:fillRect l="-9375" r="-53125"/>
                 </a:stretch>
               </a:blipFill>
             </p:spPr>
@@ -4493,8 +4446,8 @@
           </p:sp>
         </mc:Fallback>
       </mc:AlternateContent>
-      <mc:AlternateContent xmlns:mc="http://schemas.openxmlformats.org/markup-compatibility/2006" xmlns:a14="http://schemas.microsoft.com/office/drawing/2010/main">
-        <mc:Choice Requires="a14">
+      <mc:AlternateContent xmlns:mc="http://schemas.openxmlformats.org/markup-compatibility/2006">
+        <mc:Choice xmlns:a14="http://schemas.microsoft.com/office/drawing/2010/main" Requires="a14">
           <p:sp>
             <p:nvSpPr>
               <p:cNvPr id="60" name="TextBox 59">
@@ -4510,7 +4463,7 @@
             <p:spPr>
               <a:xfrm>
                 <a:off x="1734026" y="4913305"/>
-                <a:ext cx="350858" cy="369332"/>
+                <a:ext cx="350858" cy="461665"/>
               </a:xfrm>
               <a:prstGeom prst="rect">
                 <a:avLst/>
@@ -4531,7 +4484,7 @@
                     </m:oMathParaPr>
                     <m:oMath xmlns:m="http://schemas.openxmlformats.org/officeDocument/2006/math">
                       <m:r>
-                        <a:rPr lang="en-US" b="0" i="1" smtClean="0">
+                        <a:rPr lang="en-US" sz="2400" b="0" i="1" smtClean="0">
                           <a:latin typeface="Cambria Math" panose="02040503050406030204" pitchFamily="18" charset="0"/>
                         </a:rPr>
                         <m:t>𝑎</m:t>
@@ -4539,12 +4492,12 @@
                     </m:oMath>
                   </m:oMathPara>
                 </a14:m>
-                <a:endParaRPr lang="en-US" dirty="0"/>
+                <a:endParaRPr lang="en-US" sz="2400" dirty="0"/>
               </a:p>
             </p:txBody>
           </p:sp>
         </mc:Choice>
-        <mc:Fallback xmlns="">
+        <mc:Fallback>
           <p:sp>
             <p:nvSpPr>
               <p:cNvPr id="60" name="TextBox 59">
@@ -4562,7 +4515,7 @@
             <p:spPr>
               <a:xfrm>
                 <a:off x="1734026" y="4913305"/>
-                <a:ext cx="350858" cy="369332"/>
+                <a:ext cx="350858" cy="461665"/>
               </a:xfrm>
               <a:prstGeom prst="rect">
                 <a:avLst/>
@@ -4589,8 +4542,8 @@
           </p:sp>
         </mc:Fallback>
       </mc:AlternateContent>
-      <mc:AlternateContent xmlns:mc="http://schemas.openxmlformats.org/markup-compatibility/2006" xmlns:a14="http://schemas.microsoft.com/office/drawing/2010/main">
-        <mc:Choice Requires="a14">
+      <mc:AlternateContent xmlns:mc="http://schemas.openxmlformats.org/markup-compatibility/2006">
+        <mc:Choice xmlns:a14="http://schemas.microsoft.com/office/drawing/2010/main" Requires="a14">
           <p:sp>
             <p:nvSpPr>
               <p:cNvPr id="61" name="TextBox 60">
@@ -4605,8 +4558,8 @@
             </p:nvSpPr>
             <p:spPr>
               <a:xfrm>
-                <a:off x="404463" y="3891315"/>
-                <a:ext cx="313210" cy="369332"/>
+                <a:off x="328923" y="3839916"/>
+                <a:ext cx="313210" cy="461665"/>
               </a:xfrm>
               <a:prstGeom prst="rect">
                 <a:avLst/>
@@ -4627,7 +4580,7 @@
                     </m:oMathParaPr>
                     <m:oMath xmlns:m="http://schemas.openxmlformats.org/officeDocument/2006/math">
                       <m:r>
-                        <a:rPr lang="en-US" b="0" i="1" smtClean="0">
+                        <a:rPr lang="en-US" sz="2400" b="0" i="1" smtClean="0">
                           <a:latin typeface="Cambria Math" panose="02040503050406030204" pitchFamily="18" charset="0"/>
                         </a:rPr>
                         <m:t>𝑏</m:t>
@@ -4635,12 +4588,12 @@
                     </m:oMath>
                   </m:oMathPara>
                 </a14:m>
-                <a:endParaRPr lang="en-US" dirty="0"/>
+                <a:endParaRPr lang="en-US" sz="2400" dirty="0"/>
               </a:p>
             </p:txBody>
           </p:sp>
         </mc:Choice>
-        <mc:Fallback xmlns="">
+        <mc:Fallback>
           <p:sp>
             <p:nvSpPr>
               <p:cNvPr id="61" name="TextBox 60">
@@ -4657,8 +4610,8 @@
             </p:nvSpPr>
             <p:spPr>
               <a:xfrm>
-                <a:off x="404463" y="3891315"/>
-                <a:ext cx="313210" cy="369332"/>
+                <a:off x="328923" y="3839916"/>
+                <a:ext cx="313210" cy="461665"/>
               </a:xfrm>
               <a:prstGeom prst="rect">
                 <a:avLst/>
@@ -4666,7 +4619,7 @@
               <a:blipFill>
                 <a:blip r:embed="rId8"/>
                 <a:stretch>
-                  <a:fillRect/>
+                  <a:fillRect l="-5882" r="-17647"/>
                 </a:stretch>
               </a:blipFill>
             </p:spPr>
@@ -4699,8 +4652,8 @@
         </p:nvSpPr>
         <p:spPr>
           <a:xfrm>
-            <a:off x="2000300" y="2609770"/>
-            <a:ext cx="752518" cy="369332"/>
+            <a:off x="1835122" y="2609770"/>
+            <a:ext cx="917696" cy="461665"/>
           </a:xfrm>
           <a:prstGeom prst="rect">
             <a:avLst/>
@@ -4715,7 +4668,7 @@
           <a:p>
             <a:pPr algn="ctr"/>
             <a:r>
-              <a:rPr lang="en-US" dirty="0">
+              <a:rPr lang="en-US" sz="2400" dirty="0">
                 <a:latin typeface="CMU Sans Serif" panose="02000603000000000000" pitchFamily="2" charset="0"/>
                 <a:ea typeface="CMU Sans Serif" panose="02000603000000000000" pitchFamily="2" charset="0"/>
                 <a:cs typeface="CMU Sans Serif" panose="02000603000000000000" pitchFamily="2" charset="0"/>
@@ -4738,9 +4691,9 @@
           <p:nvPr/>
         </p:nvSpPr>
         <p:spPr>
-          <a:xfrm>
-            <a:off x="3041880" y="3275706"/>
-            <a:ext cx="650987" cy="369332"/>
+          <a:xfrm rot="18749412">
+            <a:off x="3078102" y="3261412"/>
+            <a:ext cx="756365" cy="461665"/>
           </a:xfrm>
           <a:prstGeom prst="rect">
             <a:avLst/>
@@ -4754,7 +4707,7 @@
           <a:lstStyle/>
           <a:p>
             <a:r>
-              <a:rPr lang="en-US" dirty="0">
+              <a:rPr lang="en-US" sz="2400" dirty="0">
                 <a:latin typeface="CMU Sans Serif" panose="02000603000000000000" pitchFamily="2" charset="0"/>
                 <a:ea typeface="CMU Sans Serif" panose="02000603000000000000" pitchFamily="2" charset="0"/>
                 <a:cs typeface="CMU Sans Serif" panose="02000603000000000000" pitchFamily="2" charset="0"/>
@@ -4868,8 +4821,8 @@
           </a:p>
         </p:txBody>
       </p:sp>
-      <mc:AlternateContent xmlns:mc="http://schemas.openxmlformats.org/markup-compatibility/2006" xmlns:a14="http://schemas.microsoft.com/office/drawing/2010/main">
-        <mc:Choice Requires="a14">
+      <mc:AlternateContent xmlns:mc="http://schemas.openxmlformats.org/markup-compatibility/2006">
+        <mc:Choice xmlns:a14="http://schemas.microsoft.com/office/drawing/2010/main" Requires="a14">
           <p:sp>
             <p:nvSpPr>
               <p:cNvPr id="23" name="TextBox 22">
@@ -4885,7 +4838,7 @@
             <p:spPr>
               <a:xfrm>
                 <a:off x="4891166" y="3027450"/>
-                <a:ext cx="306516" cy="369332"/>
+                <a:ext cx="306516" cy="461665"/>
               </a:xfrm>
               <a:prstGeom prst="rect">
                 <a:avLst/>
@@ -4909,14 +4862,14 @@
                         <m:accPr>
                           <m:chr m:val="̂"/>
                           <m:ctrlPr>
-                            <a:rPr lang="en-US" b="0" i="1" smtClean="0">
+                            <a:rPr lang="en-US" sz="2400" b="0" i="1" smtClean="0">
                               <a:latin typeface="Cambria Math" panose="02040503050406030204" pitchFamily="18" charset="0"/>
                             </a:rPr>
                           </m:ctrlPr>
                         </m:accPr>
                         <m:e>
                           <m:r>
-                            <a:rPr lang="en-US" b="0" i="1" smtClean="0">
+                            <a:rPr lang="en-US" sz="2400" b="0" i="1" smtClean="0">
                               <a:latin typeface="Cambria Math" panose="02040503050406030204" pitchFamily="18" charset="0"/>
                             </a:rPr>
                             <m:t>𝑥</m:t>
@@ -4926,12 +4879,12 @@
                     </m:oMath>
                   </m:oMathPara>
                 </a14:m>
-                <a:endParaRPr lang="en-US" dirty="0"/>
+                <a:endParaRPr lang="en-US" sz="2400" dirty="0"/>
               </a:p>
             </p:txBody>
           </p:sp>
         </mc:Choice>
-        <mc:Fallback xmlns="">
+        <mc:Fallback>
           <p:sp>
             <p:nvSpPr>
               <p:cNvPr id="23" name="TextBox 22">
@@ -4949,7 +4902,7 @@
             <p:spPr>
               <a:xfrm>
                 <a:off x="4891166" y="3027450"/>
-                <a:ext cx="306516" cy="369332"/>
+                <a:ext cx="306516" cy="461665"/>
               </a:xfrm>
               <a:prstGeom prst="rect">
                 <a:avLst/>
@@ -4957,7 +4910,7 @@
               <a:blipFill>
                 <a:blip r:embed="rId9"/>
                 <a:stretch>
-                  <a:fillRect t="-6667" r="-7843"/>
+                  <a:fillRect t="-4000" r="-17647"/>
                 </a:stretch>
               </a:blipFill>
             </p:spPr>
@@ -5044,8 +4997,8 @@
         </p:nvSpPr>
         <p:spPr>
           <a:xfrm>
-            <a:off x="4527570" y="4070966"/>
-            <a:ext cx="752518" cy="646331"/>
+            <a:off x="4480946" y="4070748"/>
+            <a:ext cx="845765" cy="830997"/>
           </a:xfrm>
           <a:prstGeom prst="rect">
             <a:avLst/>
@@ -5060,7 +5013,7 @@
           <a:p>
             <a:pPr algn="ctr"/>
             <a:r>
-              <a:rPr lang="en-US" dirty="0">
+              <a:rPr lang="en-US" sz="2400" dirty="0">
                 <a:latin typeface="CMU Sans Serif" panose="02000603000000000000" pitchFamily="2" charset="0"/>
                 <a:ea typeface="CMU Sans Serif" panose="02000603000000000000" pitchFamily="2" charset="0"/>
                 <a:cs typeface="CMU Sans Serif" panose="02000603000000000000" pitchFamily="2" charset="0"/>
@@ -5084,8 +5037,8 @@
         </p:nvSpPr>
         <p:spPr>
           <a:xfrm>
-            <a:off x="8816486" y="4076632"/>
-            <a:ext cx="1581146" cy="646331"/>
+            <a:off x="7800661" y="4163869"/>
+            <a:ext cx="2035544" cy="830997"/>
           </a:xfrm>
           <a:prstGeom prst="rect">
             <a:avLst/>
@@ -5100,7 +5053,7 @@
           <a:p>
             <a:pPr algn="ctr"/>
             <a:r>
-              <a:rPr lang="en-US" dirty="0">
+              <a:rPr lang="en-US" sz="2400" dirty="0">
                 <a:latin typeface="CMU Sans Serif" panose="02000603000000000000" pitchFamily="2" charset="0"/>
                 <a:ea typeface="CMU Sans Serif" panose="02000603000000000000" pitchFamily="2" charset="0"/>
                 <a:cs typeface="CMU Sans Serif" panose="02000603000000000000" pitchFamily="2" charset="0"/>
@@ -5111,7 +5064,7 @@
           <a:p>
             <a:pPr algn="ctr"/>
             <a:r>
-              <a:rPr lang="en-US" dirty="0">
+              <a:rPr lang="en-US" sz="2400" dirty="0">
                 <a:latin typeface="CMU Sans Serif" panose="02000603000000000000" pitchFamily="2" charset="0"/>
                 <a:ea typeface="CMU Sans Serif" panose="02000603000000000000" pitchFamily="2" charset="0"/>
                 <a:cs typeface="CMU Sans Serif" panose="02000603000000000000" pitchFamily="2" charset="0"/>
@@ -5121,8 +5074,8 @@
           </a:p>
         </p:txBody>
       </p:sp>
-      <mc:AlternateContent xmlns:mc="http://schemas.openxmlformats.org/markup-compatibility/2006" xmlns:a14="http://schemas.microsoft.com/office/drawing/2010/main">
-        <mc:Choice Requires="a14">
+      <mc:AlternateContent xmlns:mc="http://schemas.openxmlformats.org/markup-compatibility/2006">
+        <mc:Choice xmlns:a14="http://schemas.microsoft.com/office/drawing/2010/main" Requires="a14">
           <p:sp>
             <p:nvSpPr>
               <p:cNvPr id="31" name="TextBox 30">
@@ -5137,8 +5090,8 @@
             </p:nvSpPr>
             <p:spPr>
               <a:xfrm>
-                <a:off x="6086443" y="3104866"/>
-                <a:ext cx="1130128" cy="646331"/>
+                <a:off x="6048520" y="2975861"/>
+                <a:ext cx="1450717" cy="830997"/>
               </a:xfrm>
               <a:prstGeom prst="rect">
                 <a:avLst/>
@@ -5153,7 +5106,7 @@
               <a:p>
                 <a:pPr algn="ctr"/>
                 <a:r>
-                  <a:rPr lang="en-US" dirty="0">
+                  <a:rPr lang="en-US" sz="2400" dirty="0">
                     <a:latin typeface="CMU Sans Serif" panose="02000603000000000000" pitchFamily="2" charset="0"/>
                     <a:ea typeface="CMU Sans Serif" panose="02000603000000000000" pitchFamily="2" charset="0"/>
                     <a:cs typeface="CMU Sans Serif" panose="02000603000000000000" pitchFamily="2" charset="0"/>
@@ -5165,14 +5118,14 @@
                     <m:sSub>
                       <m:sSubPr>
                         <m:ctrlPr>
-                          <a:rPr lang="en-US" b="0" i="1" smtClean="0">
+                          <a:rPr lang="en-US" sz="2400" b="0" i="1" smtClean="0">
                             <a:latin typeface="Cambria Math" panose="02040503050406030204" pitchFamily="18" charset="0"/>
                           </a:rPr>
                         </m:ctrlPr>
                       </m:sSubPr>
                       <m:e>
                         <m:r>
-                          <a:rPr lang="en-US" b="0" i="1" smtClean="0">
+                          <a:rPr lang="en-US" sz="2400" b="0" i="1" smtClean="0">
                             <a:latin typeface="Cambria Math" panose="02040503050406030204" pitchFamily="18" charset="0"/>
                           </a:rPr>
                           <m:t>𝜖</m:t>
@@ -5180,7 +5133,7 @@
                       </m:e>
                       <m:sub>
                         <m:r>
-                          <a:rPr lang="en-US" b="0" i="1" smtClean="0">
+                          <a:rPr lang="en-US" sz="2400" b="0" i="1" smtClean="0">
                             <a:latin typeface="Cambria Math" panose="02040503050406030204" pitchFamily="18" charset="0"/>
                           </a:rPr>
                           <m:t>1</m:t>
@@ -5188,7 +5141,7 @@
                       </m:sub>
                     </m:sSub>
                     <m:r>
-                      <a:rPr lang="en-US" b="0" i="1" smtClean="0">
+                      <a:rPr lang="en-US" sz="2400" b="0" i="1" smtClean="0">
                         <a:latin typeface="Cambria Math" panose="02040503050406030204" pitchFamily="18" charset="0"/>
                       </a:rPr>
                       <m:t>, </m:t>
@@ -5196,14 +5149,14 @@
                     <m:sSub>
                       <m:sSubPr>
                         <m:ctrlPr>
-                          <a:rPr lang="en-US" b="0" i="1" smtClean="0">
+                          <a:rPr lang="en-US" sz="2400" b="0" i="1" smtClean="0">
                             <a:latin typeface="Cambria Math" panose="02040503050406030204" pitchFamily="18" charset="0"/>
                           </a:rPr>
                         </m:ctrlPr>
                       </m:sSubPr>
                       <m:e>
                         <m:r>
-                          <a:rPr lang="en-US" b="0" i="1" smtClean="0">
+                          <a:rPr lang="en-US" sz="2400" b="0" i="1" smtClean="0">
                             <a:latin typeface="Cambria Math" panose="02040503050406030204" pitchFamily="18" charset="0"/>
                           </a:rPr>
                           <m:t>𝜇</m:t>
@@ -5211,7 +5164,7 @@
                       </m:e>
                       <m:sub>
                         <m:r>
-                          <a:rPr lang="en-US" b="0" i="1" smtClean="0">
+                          <a:rPr lang="en-US" sz="2400" b="0" i="1" smtClean="0">
                             <a:latin typeface="Cambria Math" panose="02040503050406030204" pitchFamily="18" charset="0"/>
                           </a:rPr>
                           <m:t>1</m:t>
@@ -5220,7 +5173,7 @@
                     </m:sSub>
                   </m:oMath>
                 </a14:m>
-                <a:endParaRPr lang="en-US" dirty="0">
+                <a:endParaRPr lang="en-US" sz="2400" dirty="0">
                   <a:latin typeface="CMU Sans Serif" panose="02000603000000000000" pitchFamily="2" charset="0"/>
                   <a:ea typeface="CMU Sans Serif" panose="02000603000000000000" pitchFamily="2" charset="0"/>
                   <a:cs typeface="CMU Sans Serif" panose="02000603000000000000" pitchFamily="2" charset="0"/>
@@ -5229,7 +5182,7 @@
             </p:txBody>
           </p:sp>
         </mc:Choice>
-        <mc:Fallback xmlns="">
+        <mc:Fallback>
           <p:sp>
             <p:nvSpPr>
               <p:cNvPr id="31" name="TextBox 30">
@@ -5246,8 +5199,8 @@
             </p:nvSpPr>
             <p:spPr>
               <a:xfrm>
-                <a:off x="6086443" y="3104866"/>
-                <a:ext cx="1130128" cy="646331"/>
+                <a:off x="6048520" y="2975861"/>
+                <a:ext cx="1450717" cy="830997"/>
               </a:xfrm>
               <a:prstGeom prst="rect">
                 <a:avLst/>
@@ -5255,7 +5208,7 @@
               <a:blipFill>
                 <a:blip r:embed="rId10"/>
                 <a:stretch>
-                  <a:fillRect l="-2688" t="-4717" r="-2688"/>
+                  <a:fillRect l="-3782" t="-5147" r="-3782" b="-2206"/>
                 </a:stretch>
               </a:blipFill>
             </p:spPr>
@@ -5412,8 +5365,8 @@
           </a:p>
         </p:txBody>
       </p:sp>
-      <mc:AlternateContent xmlns:mc="http://schemas.openxmlformats.org/markup-compatibility/2006" xmlns:a14="http://schemas.microsoft.com/office/drawing/2010/main">
-        <mc:Choice Requires="a14">
+      <mc:AlternateContent xmlns:mc="http://schemas.openxmlformats.org/markup-compatibility/2006">
+        <mc:Choice xmlns:a14="http://schemas.microsoft.com/office/drawing/2010/main" Requires="a14">
           <p:sp>
             <p:nvSpPr>
               <p:cNvPr id="21" name="TextBox 20">
@@ -5429,7 +5382,7 @@
             <p:spPr>
               <a:xfrm>
                 <a:off x="5296029" y="2680513"/>
-                <a:ext cx="306516" cy="369332"/>
+                <a:ext cx="306516" cy="461665"/>
               </a:xfrm>
               <a:prstGeom prst="rect">
                 <a:avLst/>
@@ -5453,14 +5406,14 @@
                         <m:accPr>
                           <m:chr m:val="̂"/>
                           <m:ctrlPr>
-                            <a:rPr lang="en-US" b="0" i="1" smtClean="0">
+                            <a:rPr lang="en-US" sz="2400" b="0" i="1" smtClean="0">
                               <a:latin typeface="Cambria Math" panose="02040503050406030204" pitchFamily="18" charset="0"/>
                             </a:rPr>
                           </m:ctrlPr>
                         </m:accPr>
                         <m:e>
                           <m:r>
-                            <a:rPr lang="en-US" b="0" i="1" smtClean="0">
+                            <a:rPr lang="en-US" sz="2400" b="0" i="1" smtClean="0">
                               <a:latin typeface="Cambria Math" panose="02040503050406030204" pitchFamily="18" charset="0"/>
                             </a:rPr>
                             <m:t>𝑧</m:t>
@@ -5470,12 +5423,12 @@
                     </m:oMath>
                   </m:oMathPara>
                 </a14:m>
-                <a:endParaRPr lang="en-US" dirty="0"/>
+                <a:endParaRPr lang="en-US" sz="2400" dirty="0"/>
               </a:p>
             </p:txBody>
           </p:sp>
         </mc:Choice>
-        <mc:Fallback xmlns="">
+        <mc:Fallback>
           <p:sp>
             <p:nvSpPr>
               <p:cNvPr id="21" name="TextBox 20">
@@ -5493,7 +5446,7 @@
             <p:spPr>
               <a:xfrm>
                 <a:off x="5296029" y="2680513"/>
-                <a:ext cx="306516" cy="369332"/>
+                <a:ext cx="306516" cy="461665"/>
               </a:xfrm>
               <a:prstGeom prst="rect">
                 <a:avLst/>
@@ -5501,7 +5454,7 @@
               <a:blipFill>
                 <a:blip r:embed="rId11"/>
                 <a:stretch>
-                  <a:fillRect t="-6667" r="-34000"/>
+                  <a:fillRect t="-4000" r="-52000"/>
                 </a:stretch>
               </a:blipFill>
             </p:spPr>
@@ -5520,8 +5473,8 @@
           </p:sp>
         </mc:Fallback>
       </mc:AlternateContent>
-      <mc:AlternateContent xmlns:mc="http://schemas.openxmlformats.org/markup-compatibility/2006" xmlns:a14="http://schemas.microsoft.com/office/drawing/2010/main">
-        <mc:Choice Requires="a14">
+      <mc:AlternateContent xmlns:mc="http://schemas.openxmlformats.org/markup-compatibility/2006">
+        <mc:Choice xmlns:a14="http://schemas.microsoft.com/office/drawing/2010/main" Requires="a14">
           <p:sp>
             <p:nvSpPr>
               <p:cNvPr id="25" name="TextBox 24">
@@ -5536,8 +5489,8 @@
             </p:nvSpPr>
             <p:spPr>
               <a:xfrm>
-                <a:off x="4603592" y="2351867"/>
-                <a:ext cx="306516" cy="369332"/>
+                <a:off x="4551668" y="2377009"/>
+                <a:ext cx="306516" cy="461665"/>
               </a:xfrm>
               <a:prstGeom prst="rect">
                 <a:avLst/>
@@ -5561,14 +5514,14 @@
                         <m:accPr>
                           <m:chr m:val="̂"/>
                           <m:ctrlPr>
-                            <a:rPr lang="en-US" b="0" i="1" smtClean="0">
+                            <a:rPr lang="en-US" sz="2400" b="0" i="1" smtClean="0">
                               <a:latin typeface="Cambria Math" panose="02040503050406030204" pitchFamily="18" charset="0"/>
                             </a:rPr>
                           </m:ctrlPr>
                         </m:accPr>
                         <m:e>
                           <m:r>
-                            <a:rPr lang="en-US" b="0" i="1" smtClean="0">
+                            <a:rPr lang="en-US" sz="2400" b="0" i="1" smtClean="0">
                               <a:latin typeface="Cambria Math" panose="02040503050406030204" pitchFamily="18" charset="0"/>
                             </a:rPr>
                             <m:t>𝑦</m:t>
@@ -5578,12 +5531,12 @@
                     </m:oMath>
                   </m:oMathPara>
                 </a14:m>
-                <a:endParaRPr lang="en-US" dirty="0"/>
+                <a:endParaRPr lang="en-US" sz="2400" dirty="0"/>
               </a:p>
             </p:txBody>
           </p:sp>
         </mc:Choice>
-        <mc:Fallback xmlns="">
+        <mc:Fallback>
           <p:sp>
             <p:nvSpPr>
               <p:cNvPr id="25" name="TextBox 24">
@@ -5600,8 +5553,8 @@
             </p:nvSpPr>
             <p:spPr>
               <a:xfrm>
-                <a:off x="4603592" y="2351867"/>
-                <a:ext cx="306516" cy="369332"/>
+                <a:off x="4551668" y="2377009"/>
+                <a:ext cx="306516" cy="461665"/>
               </a:xfrm>
               <a:prstGeom prst="rect">
                 <a:avLst/>
@@ -5609,7 +5562,7 @@
               <a:blipFill>
                 <a:blip r:embed="rId12"/>
                 <a:stretch>
-                  <a:fillRect t="-6667" r="-12000" b="-6667"/>
+                  <a:fillRect l="-6000" t="-3947" r="-22000" b="-9211"/>
                 </a:stretch>
               </a:blipFill>
             </p:spPr>
@@ -5682,8 +5635,8 @@
           </a:p>
         </p:txBody>
       </p:sp>
-      <mc:AlternateContent xmlns:mc="http://schemas.openxmlformats.org/markup-compatibility/2006" xmlns:a14="http://schemas.microsoft.com/office/drawing/2010/main">
-        <mc:Choice Requires="a14">
+      <mc:AlternateContent xmlns:mc="http://schemas.openxmlformats.org/markup-compatibility/2006">
+        <mc:Choice xmlns:a14="http://schemas.microsoft.com/office/drawing/2010/main" Requires="a14">
           <p:sp>
             <p:nvSpPr>
               <p:cNvPr id="46" name="TextBox 45">
@@ -5698,8 +5651,8 @@
             </p:nvSpPr>
             <p:spPr>
               <a:xfrm>
-                <a:off x="7969066" y="3505597"/>
-                <a:ext cx="1065440" cy="391261"/>
+                <a:off x="7894216" y="3409761"/>
+                <a:ext cx="1065440" cy="490840"/>
               </a:xfrm>
               <a:prstGeom prst="rect">
                 <a:avLst/>
@@ -5722,14 +5675,14 @@
                       <m:sSub>
                         <m:sSubPr>
                           <m:ctrlPr>
-                            <a:rPr lang="en-US" b="0" i="1" smtClean="0">
+                            <a:rPr lang="en-US" sz="2400" b="0" i="1" smtClean="0">
                               <a:latin typeface="Cambria Math" panose="02040503050406030204" pitchFamily="18" charset="0"/>
                             </a:rPr>
                           </m:ctrlPr>
                         </m:sSubPr>
                         <m:e>
                           <m:r>
-                            <a:rPr lang="en-US" b="1" i="1" smtClean="0">
+                            <a:rPr lang="en-US" sz="2400" b="1" i="1" smtClean="0">
                               <a:latin typeface="Cambria Math" panose="02040503050406030204" pitchFamily="18" charset="0"/>
                             </a:rPr>
                             <m:t>𝑬</m:t>
@@ -5737,19 +5690,19 @@
                         </m:e>
                         <m:sub>
                           <m:r>
-                            <a:rPr lang="en-US" b="0" i="1" smtClean="0">
+                            <a:rPr lang="en-US" sz="2400" b="0" i="1" smtClean="0">
                               <a:latin typeface="Cambria Math" panose="02040503050406030204" pitchFamily="18" charset="0"/>
                             </a:rPr>
                             <m:t>𝑦</m:t>
                           </m:r>
                           <m:r>
-                            <a:rPr lang="en-US" b="0" i="1" smtClean="0">
+                            <a:rPr lang="en-US" sz="2400" b="0" i="1" smtClean="0">
                               <a:latin typeface="Cambria Math" panose="02040503050406030204" pitchFamily="18" charset="0"/>
                             </a:rPr>
                             <m:t>,</m:t>
                           </m:r>
                           <m:r>
-                            <a:rPr lang="en-US" b="0" i="1" smtClean="0">
+                            <a:rPr lang="en-US" sz="2400" b="0" i="1" smtClean="0">
                               <a:latin typeface="Cambria Math" panose="02040503050406030204" pitchFamily="18" charset="0"/>
                             </a:rPr>
                             <m:t>𝑠𝑟𝑐</m:t>
@@ -5759,12 +5712,12 @@
                     </m:oMath>
                   </m:oMathPara>
                 </a14:m>
-                <a:endParaRPr lang="en-US" b="1" dirty="0"/>
+                <a:endParaRPr lang="en-US" sz="2400" b="1" dirty="0"/>
               </a:p>
             </p:txBody>
           </p:sp>
         </mc:Choice>
-        <mc:Fallback xmlns="">
+        <mc:Fallback>
           <p:sp>
             <p:nvSpPr>
               <p:cNvPr id="46" name="TextBox 45">
@@ -5781,8 +5734,8 @@
             </p:nvSpPr>
             <p:spPr>
               <a:xfrm>
-                <a:off x="7969066" y="3505597"/>
-                <a:ext cx="1065440" cy="391261"/>
+                <a:off x="7894216" y="3409761"/>
+                <a:ext cx="1065440" cy="490840"/>
               </a:xfrm>
               <a:prstGeom prst="rect">
                 <a:avLst/>
@@ -5790,7 +5743,7 @@
               <a:blipFill>
                 <a:blip r:embed="rId13"/>
                 <a:stretch>
-                  <a:fillRect b="-4688"/>
+                  <a:fillRect b="-6173"/>
                 </a:stretch>
               </a:blipFill>
             </p:spPr>
@@ -6031,8 +5984,8 @@
         </p:nvSpPr>
         <p:spPr>
           <a:xfrm>
-            <a:off x="1502185" y="5341007"/>
-            <a:ext cx="752518" cy="369332"/>
+            <a:off x="1883768" y="1435652"/>
+            <a:ext cx="752518" cy="461665"/>
           </a:xfrm>
           <a:prstGeom prst="rect">
             <a:avLst/>
@@ -6047,7 +6000,7 @@
           <a:p>
             <a:pPr algn="ctr"/>
             <a:r>
-              <a:rPr lang="en-US" dirty="0">
+              <a:rPr lang="en-US" sz="2400" dirty="0">
                 <a:latin typeface="CMU Sans Serif" panose="02000603000000000000" pitchFamily="2" charset="0"/>
                 <a:ea typeface="CMU Sans Serif" panose="02000603000000000000" pitchFamily="2" charset="0"/>
                 <a:cs typeface="CMU Sans Serif" panose="02000603000000000000" pitchFamily="2" charset="0"/>
@@ -6071,8 +6024,8 @@
         </p:nvSpPr>
         <p:spPr>
           <a:xfrm>
-            <a:off x="6959548" y="5341007"/>
-            <a:ext cx="752518" cy="369332"/>
+            <a:off x="6959548" y="1435652"/>
+            <a:ext cx="752518" cy="461665"/>
           </a:xfrm>
           <a:prstGeom prst="rect">
             <a:avLst/>
@@ -6087,7 +6040,7 @@
           <a:p>
             <a:pPr algn="ctr"/>
             <a:r>
-              <a:rPr lang="en-US" dirty="0">
+              <a:rPr lang="en-US" sz="2400" dirty="0">
                 <a:latin typeface="CMU Sans Serif" panose="02000603000000000000" pitchFamily="2" charset="0"/>
                 <a:ea typeface="CMU Sans Serif" panose="02000603000000000000" pitchFamily="2" charset="0"/>
                 <a:cs typeface="CMU Sans Serif" panose="02000603000000000000" pitchFamily="2" charset="0"/>
@@ -6097,6 +6050,50 @@
           </a:p>
         </p:txBody>
       </p:sp>
+      <p:cxnSp>
+        <p:nvCxnSpPr>
+          <p:cNvPr id="2" name="Straight Arrow Connector 1">
+            <a:extLst>
+              <a:ext uri="{FF2B5EF4-FFF2-40B4-BE49-F238E27FC236}">
+                <a16:creationId xmlns:a16="http://schemas.microsoft.com/office/drawing/2014/main" id="{E01144E7-B1C4-B44A-FEEE-9CD1E4E9BC80}"/>
+              </a:ext>
+            </a:extLst>
+          </p:cNvPr>
+          <p:cNvCxnSpPr>
+            <a:cxnSpLocks/>
+          </p:cNvCxnSpPr>
+          <p:nvPr/>
+        </p:nvCxnSpPr>
+        <p:spPr>
+          <a:xfrm flipV="1">
+            <a:off x="9352098" y="3988091"/>
+            <a:ext cx="251257" cy="378389"/>
+          </a:xfrm>
+          <a:prstGeom prst="straightConnector1">
+            <a:avLst/>
+          </a:prstGeom>
+          <a:ln w="28575">
+            <a:solidFill>
+              <a:schemeClr val="accent1"/>
+            </a:solidFill>
+            <a:tailEnd type="triangle"/>
+          </a:ln>
+        </p:spPr>
+        <p:style>
+          <a:lnRef idx="1">
+            <a:schemeClr val="accent1"/>
+          </a:lnRef>
+          <a:fillRef idx="0">
+            <a:schemeClr val="accent1"/>
+          </a:fillRef>
+          <a:effectRef idx="0">
+            <a:schemeClr val="accent1"/>
+          </a:effectRef>
+          <a:fontRef idx="minor">
+            <a:schemeClr val="tx1"/>
+          </a:fontRef>
+        </p:style>
+      </p:cxnSp>
     </p:spTree>
     <p:extLst>
       <p:ext uri="{BB962C8B-B14F-4D97-AF65-F5344CB8AC3E}">

--- a/report/figures/Figures.pptx
+++ b/report/figures/Figures.pptx
@@ -259,7 +259,7 @@
           <a:p>
             <a:fld id="{00C148EF-35E6-4061-8BA4-EFA290F2CBC6}" type="datetimeFigureOut">
               <a:rPr lang="en-US" smtClean="0"/>
-              <a:t>2/21/2024</a:t>
+              <a:t>2/22/2024</a:t>
             </a:fld>
             <a:endParaRPr lang="en-US"/>
           </a:p>
@@ -457,7 +457,7 @@
           <a:p>
             <a:fld id="{00C148EF-35E6-4061-8BA4-EFA290F2CBC6}" type="datetimeFigureOut">
               <a:rPr lang="en-US" smtClean="0"/>
-              <a:t>2/21/2024</a:t>
+              <a:t>2/22/2024</a:t>
             </a:fld>
             <a:endParaRPr lang="en-US"/>
           </a:p>
@@ -665,7 +665,7 @@
           <a:p>
             <a:fld id="{00C148EF-35E6-4061-8BA4-EFA290F2CBC6}" type="datetimeFigureOut">
               <a:rPr lang="en-US" smtClean="0"/>
-              <a:t>2/21/2024</a:t>
+              <a:t>2/22/2024</a:t>
             </a:fld>
             <a:endParaRPr lang="en-US"/>
           </a:p>
@@ -863,7 +863,7 @@
           <a:p>
             <a:fld id="{00C148EF-35E6-4061-8BA4-EFA290F2CBC6}" type="datetimeFigureOut">
               <a:rPr lang="en-US" smtClean="0"/>
-              <a:t>2/21/2024</a:t>
+              <a:t>2/22/2024</a:t>
             </a:fld>
             <a:endParaRPr lang="en-US"/>
           </a:p>
@@ -1138,7 +1138,7 @@
           <a:p>
             <a:fld id="{00C148EF-35E6-4061-8BA4-EFA290F2CBC6}" type="datetimeFigureOut">
               <a:rPr lang="en-US" smtClean="0"/>
-              <a:t>2/21/2024</a:t>
+              <a:t>2/22/2024</a:t>
             </a:fld>
             <a:endParaRPr lang="en-US"/>
           </a:p>
@@ -1403,7 +1403,7 @@
           <a:p>
             <a:fld id="{00C148EF-35E6-4061-8BA4-EFA290F2CBC6}" type="datetimeFigureOut">
               <a:rPr lang="en-US" smtClean="0"/>
-              <a:t>2/21/2024</a:t>
+              <a:t>2/22/2024</a:t>
             </a:fld>
             <a:endParaRPr lang="en-US"/>
           </a:p>
@@ -1815,7 +1815,7 @@
           <a:p>
             <a:fld id="{00C148EF-35E6-4061-8BA4-EFA290F2CBC6}" type="datetimeFigureOut">
               <a:rPr lang="en-US" smtClean="0"/>
-              <a:t>2/21/2024</a:t>
+              <a:t>2/22/2024</a:t>
             </a:fld>
             <a:endParaRPr lang="en-US"/>
           </a:p>
@@ -1956,7 +1956,7 @@
           <a:p>
             <a:fld id="{00C148EF-35E6-4061-8BA4-EFA290F2CBC6}" type="datetimeFigureOut">
               <a:rPr lang="en-US" smtClean="0"/>
-              <a:t>2/21/2024</a:t>
+              <a:t>2/22/2024</a:t>
             </a:fld>
             <a:endParaRPr lang="en-US"/>
           </a:p>
@@ -2069,7 +2069,7 @@
           <a:p>
             <a:fld id="{00C148EF-35E6-4061-8BA4-EFA290F2CBC6}" type="datetimeFigureOut">
               <a:rPr lang="en-US" smtClean="0"/>
-              <a:t>2/21/2024</a:t>
+              <a:t>2/22/2024</a:t>
             </a:fld>
             <a:endParaRPr lang="en-US"/>
           </a:p>
@@ -2380,7 +2380,7 @@
           <a:p>
             <a:fld id="{00C148EF-35E6-4061-8BA4-EFA290F2CBC6}" type="datetimeFigureOut">
               <a:rPr lang="en-US" smtClean="0"/>
-              <a:t>2/21/2024</a:t>
+              <a:t>2/22/2024</a:t>
             </a:fld>
             <a:endParaRPr lang="en-US"/>
           </a:p>
@@ -2668,7 +2668,7 @@
           <a:p>
             <a:fld id="{00C148EF-35E6-4061-8BA4-EFA290F2CBC6}" type="datetimeFigureOut">
               <a:rPr lang="en-US" smtClean="0"/>
-              <a:t>2/21/2024</a:t>
+              <a:t>2/22/2024</a:t>
             </a:fld>
             <a:endParaRPr lang="en-US"/>
           </a:p>
@@ -2909,7 +2909,7 @@
           <a:p>
             <a:fld id="{00C148EF-35E6-4061-8BA4-EFA290F2CBC6}" type="datetimeFigureOut">
               <a:rPr lang="en-US" smtClean="0"/>
-              <a:t>2/21/2024</a:t>
+              <a:t>2/22/2024</a:t>
             </a:fld>
             <a:endParaRPr lang="en-US"/>
           </a:p>
@@ -3741,8 +3741,8 @@
           </a:p>
         </p:txBody>
       </p:sp>
-      <mc:AlternateContent xmlns:mc="http://schemas.openxmlformats.org/markup-compatibility/2006">
-        <mc:Choice xmlns:a14="http://schemas.microsoft.com/office/drawing/2010/main" Requires="a14">
+      <mc:AlternateContent xmlns:mc="http://schemas.openxmlformats.org/markup-compatibility/2006" xmlns:a14="http://schemas.microsoft.com/office/drawing/2010/main">
+        <mc:Choice Requires="a14">
           <p:sp>
             <p:nvSpPr>
               <p:cNvPr id="40" name="TextBox 39">
@@ -3849,7 +3849,7 @@
             </p:txBody>
           </p:sp>
         </mc:Choice>
-        <mc:Fallback>
+        <mc:Fallback xmlns="">
           <p:sp>
             <p:nvSpPr>
               <p:cNvPr id="40" name="TextBox 39">
@@ -4026,8 +4026,8 @@
           </a:fontRef>
         </p:style>
       </p:cxnSp>
-      <mc:AlternateContent xmlns:mc="http://schemas.openxmlformats.org/markup-compatibility/2006">
-        <mc:Choice xmlns:a14="http://schemas.microsoft.com/office/drawing/2010/main" Requires="a14">
+      <mc:AlternateContent xmlns:mc="http://schemas.openxmlformats.org/markup-compatibility/2006" xmlns:a14="http://schemas.microsoft.com/office/drawing/2010/main">
+        <mc:Choice Requires="a14">
           <p:sp>
             <p:nvSpPr>
               <p:cNvPr id="56" name="TextBox 55">
@@ -4089,7 +4089,7 @@
             </p:txBody>
           </p:sp>
         </mc:Choice>
-        <mc:Fallback>
+        <mc:Fallback xmlns="">
           <p:sp>
             <p:nvSpPr>
               <p:cNvPr id="56" name="TextBox 55">
@@ -4134,8 +4134,8 @@
           </p:sp>
         </mc:Fallback>
       </mc:AlternateContent>
-      <mc:AlternateContent xmlns:mc="http://schemas.openxmlformats.org/markup-compatibility/2006">
-        <mc:Choice xmlns:a14="http://schemas.microsoft.com/office/drawing/2010/main" Requires="a14">
+      <mc:AlternateContent xmlns:mc="http://schemas.openxmlformats.org/markup-compatibility/2006" xmlns:a14="http://schemas.microsoft.com/office/drawing/2010/main">
+        <mc:Choice Requires="a14">
           <p:sp>
             <p:nvSpPr>
               <p:cNvPr id="57" name="TextBox 56">
@@ -4197,7 +4197,7 @@
             </p:txBody>
           </p:sp>
         </mc:Choice>
-        <mc:Fallback>
+        <mc:Fallback xmlns="">
           <p:sp>
             <p:nvSpPr>
               <p:cNvPr id="57" name="TextBox 56">
@@ -4242,8 +4242,8 @@
           </p:sp>
         </mc:Fallback>
       </mc:AlternateContent>
-      <mc:AlternateContent xmlns:mc="http://schemas.openxmlformats.org/markup-compatibility/2006">
-        <mc:Choice xmlns:a14="http://schemas.microsoft.com/office/drawing/2010/main" Requires="a14">
+      <mc:AlternateContent xmlns:mc="http://schemas.openxmlformats.org/markup-compatibility/2006" xmlns:a14="http://schemas.microsoft.com/office/drawing/2010/main">
+        <mc:Choice Requires="a14">
           <p:sp>
             <p:nvSpPr>
               <p:cNvPr id="58" name="TextBox 57">
@@ -4305,7 +4305,7 @@
             </p:txBody>
           </p:sp>
         </mc:Choice>
-        <mc:Fallback>
+        <mc:Fallback xmlns="">
           <p:sp>
             <p:nvSpPr>
               <p:cNvPr id="58" name="TextBox 57">
@@ -4350,8 +4350,8 @@
           </p:sp>
         </mc:Fallback>
       </mc:AlternateContent>
-      <mc:AlternateContent xmlns:mc="http://schemas.openxmlformats.org/markup-compatibility/2006">
-        <mc:Choice xmlns:a14="http://schemas.microsoft.com/office/drawing/2010/main" Requires="a14">
+      <mc:AlternateContent xmlns:mc="http://schemas.openxmlformats.org/markup-compatibility/2006" xmlns:a14="http://schemas.microsoft.com/office/drawing/2010/main">
+        <mc:Choice Requires="a14">
           <p:sp>
             <p:nvSpPr>
               <p:cNvPr id="59" name="TextBox 58">
@@ -4401,7 +4401,7 @@
             </p:txBody>
           </p:sp>
         </mc:Choice>
-        <mc:Fallback>
+        <mc:Fallback xmlns="">
           <p:sp>
             <p:nvSpPr>
               <p:cNvPr id="59" name="TextBox 58">
@@ -4446,8 +4446,8 @@
           </p:sp>
         </mc:Fallback>
       </mc:AlternateContent>
-      <mc:AlternateContent xmlns:mc="http://schemas.openxmlformats.org/markup-compatibility/2006">
-        <mc:Choice xmlns:a14="http://schemas.microsoft.com/office/drawing/2010/main" Requires="a14">
+      <mc:AlternateContent xmlns:mc="http://schemas.openxmlformats.org/markup-compatibility/2006" xmlns:a14="http://schemas.microsoft.com/office/drawing/2010/main">
+        <mc:Choice Requires="a14">
           <p:sp>
             <p:nvSpPr>
               <p:cNvPr id="60" name="TextBox 59">
@@ -4497,7 +4497,7 @@
             </p:txBody>
           </p:sp>
         </mc:Choice>
-        <mc:Fallback>
+        <mc:Fallback xmlns="">
           <p:sp>
             <p:nvSpPr>
               <p:cNvPr id="60" name="TextBox 59">
@@ -4542,8 +4542,8 @@
           </p:sp>
         </mc:Fallback>
       </mc:AlternateContent>
-      <mc:AlternateContent xmlns:mc="http://schemas.openxmlformats.org/markup-compatibility/2006">
-        <mc:Choice xmlns:a14="http://schemas.microsoft.com/office/drawing/2010/main" Requires="a14">
+      <mc:AlternateContent xmlns:mc="http://schemas.openxmlformats.org/markup-compatibility/2006" xmlns:a14="http://schemas.microsoft.com/office/drawing/2010/main">
+        <mc:Choice Requires="a14">
           <p:sp>
             <p:nvSpPr>
               <p:cNvPr id="61" name="TextBox 60">
@@ -4593,7 +4593,7 @@
             </p:txBody>
           </p:sp>
         </mc:Choice>
-        <mc:Fallback>
+        <mc:Fallback xmlns="">
           <p:sp>
             <p:nvSpPr>
               <p:cNvPr id="61" name="TextBox 60">
@@ -4821,8 +4821,8 @@
           </a:p>
         </p:txBody>
       </p:sp>
-      <mc:AlternateContent xmlns:mc="http://schemas.openxmlformats.org/markup-compatibility/2006">
-        <mc:Choice xmlns:a14="http://schemas.microsoft.com/office/drawing/2010/main" Requires="a14">
+      <mc:AlternateContent xmlns:mc="http://schemas.openxmlformats.org/markup-compatibility/2006" xmlns:a14="http://schemas.microsoft.com/office/drawing/2010/main">
+        <mc:Choice Requires="a14">
           <p:sp>
             <p:nvSpPr>
               <p:cNvPr id="23" name="TextBox 22">
@@ -4884,7 +4884,7 @@
             </p:txBody>
           </p:sp>
         </mc:Choice>
-        <mc:Fallback>
+        <mc:Fallback xmlns="">
           <p:sp>
             <p:nvSpPr>
               <p:cNvPr id="23" name="TextBox 22">
@@ -5074,8 +5074,8 @@
           </a:p>
         </p:txBody>
       </p:sp>
-      <mc:AlternateContent xmlns:mc="http://schemas.openxmlformats.org/markup-compatibility/2006">
-        <mc:Choice xmlns:a14="http://schemas.microsoft.com/office/drawing/2010/main" Requires="a14">
+      <mc:AlternateContent xmlns:mc="http://schemas.openxmlformats.org/markup-compatibility/2006" xmlns:a14="http://schemas.microsoft.com/office/drawing/2010/main">
+        <mc:Choice Requires="a14">
           <p:sp>
             <p:nvSpPr>
               <p:cNvPr id="31" name="TextBox 30">
@@ -5182,7 +5182,7 @@
             </p:txBody>
           </p:sp>
         </mc:Choice>
-        <mc:Fallback>
+        <mc:Fallback xmlns="">
           <p:sp>
             <p:nvSpPr>
               <p:cNvPr id="31" name="TextBox 30">
@@ -5365,8 +5365,8 @@
           </a:p>
         </p:txBody>
       </p:sp>
-      <mc:AlternateContent xmlns:mc="http://schemas.openxmlformats.org/markup-compatibility/2006">
-        <mc:Choice xmlns:a14="http://schemas.microsoft.com/office/drawing/2010/main" Requires="a14">
+      <mc:AlternateContent xmlns:mc="http://schemas.openxmlformats.org/markup-compatibility/2006" xmlns:a14="http://schemas.microsoft.com/office/drawing/2010/main">
+        <mc:Choice Requires="a14">
           <p:sp>
             <p:nvSpPr>
               <p:cNvPr id="21" name="TextBox 20">
@@ -5428,7 +5428,7 @@
             </p:txBody>
           </p:sp>
         </mc:Choice>
-        <mc:Fallback>
+        <mc:Fallback xmlns="">
           <p:sp>
             <p:nvSpPr>
               <p:cNvPr id="21" name="TextBox 20">
@@ -5473,8 +5473,8 @@
           </p:sp>
         </mc:Fallback>
       </mc:AlternateContent>
-      <mc:AlternateContent xmlns:mc="http://schemas.openxmlformats.org/markup-compatibility/2006">
-        <mc:Choice xmlns:a14="http://schemas.microsoft.com/office/drawing/2010/main" Requires="a14">
+      <mc:AlternateContent xmlns:mc="http://schemas.openxmlformats.org/markup-compatibility/2006" xmlns:a14="http://schemas.microsoft.com/office/drawing/2010/main">
+        <mc:Choice Requires="a14">
           <p:sp>
             <p:nvSpPr>
               <p:cNvPr id="25" name="TextBox 24">
@@ -5536,7 +5536,7 @@
             </p:txBody>
           </p:sp>
         </mc:Choice>
-        <mc:Fallback>
+        <mc:Fallback xmlns="">
           <p:sp>
             <p:nvSpPr>
               <p:cNvPr id="25" name="TextBox 24">
@@ -5581,62 +5581,8 @@
           </p:sp>
         </mc:Fallback>
       </mc:AlternateContent>
-      <p:sp>
-        <p:nvSpPr>
-          <p:cNvPr id="41" name="Rectangle 40">
-            <a:extLst>
-              <a:ext uri="{FF2B5EF4-FFF2-40B4-BE49-F238E27FC236}">
-                <a16:creationId xmlns:a16="http://schemas.microsoft.com/office/drawing/2014/main" id="{24410FA2-0662-5282-CC77-FD27C7368AC0}"/>
-              </a:ext>
-            </a:extLst>
-          </p:cNvPr>
-          <p:cNvSpPr/>
-          <p:nvPr/>
-        </p:nvSpPr>
-        <p:spPr>
-          <a:xfrm rot="16200000">
-            <a:off x="9082606" y="3303749"/>
-            <a:ext cx="1432468" cy="74729"/>
-          </a:xfrm>
-          <a:prstGeom prst="rect">
-            <a:avLst/>
-          </a:prstGeom>
-          <a:solidFill>
-            <a:schemeClr val="bg2"/>
-          </a:solidFill>
-          <a:ln w="28575">
-            <a:solidFill>
-              <a:schemeClr val="tx1"/>
-            </a:solidFill>
-          </a:ln>
-        </p:spPr>
-        <p:style>
-          <a:lnRef idx="2">
-            <a:schemeClr val="accent1">
-              <a:shade val="15000"/>
-            </a:schemeClr>
-          </a:lnRef>
-          <a:fillRef idx="1">
-            <a:schemeClr val="accent1"/>
-          </a:fillRef>
-          <a:effectRef idx="0">
-            <a:schemeClr val="accent1"/>
-          </a:effectRef>
-          <a:fontRef idx="minor">
-            <a:schemeClr val="lt1"/>
-          </a:fontRef>
-        </p:style>
-        <p:txBody>
-          <a:bodyPr rtlCol="0" anchor="ctr"/>
-          <a:lstStyle/>
-          <a:p>
-            <a:pPr algn="ctr"/>
-            <a:endParaRPr lang="en-US"/>
-          </a:p>
-        </p:txBody>
-      </p:sp>
-      <mc:AlternateContent xmlns:mc="http://schemas.openxmlformats.org/markup-compatibility/2006">
-        <mc:Choice xmlns:a14="http://schemas.microsoft.com/office/drawing/2010/main" Requires="a14">
+      <mc:AlternateContent xmlns:mc="http://schemas.openxmlformats.org/markup-compatibility/2006" xmlns:a14="http://schemas.microsoft.com/office/drawing/2010/main">
+        <mc:Choice Requires="a14">
           <p:sp>
             <p:nvSpPr>
               <p:cNvPr id="46" name="TextBox 45">
@@ -5717,7 +5663,7 @@
             </p:txBody>
           </p:sp>
         </mc:Choice>
-        <mc:Fallback>
+        <mc:Fallback xmlns="">
           <p:sp>
             <p:nvSpPr>
               <p:cNvPr id="46" name="TextBox 45">

--- a/report/figures/Figures.pptx
+++ b/report/figures/Figures.pptx
@@ -259,7 +259,7 @@
           <a:p>
             <a:fld id="{00C148EF-35E6-4061-8BA4-EFA290F2CBC6}" type="datetimeFigureOut">
               <a:rPr lang="en-US" smtClean="0"/>
-              <a:t>2/22/2024</a:t>
+              <a:t>2/29/2024</a:t>
             </a:fld>
             <a:endParaRPr lang="en-US"/>
           </a:p>
@@ -457,7 +457,7 @@
           <a:p>
             <a:fld id="{00C148EF-35E6-4061-8BA4-EFA290F2CBC6}" type="datetimeFigureOut">
               <a:rPr lang="en-US" smtClean="0"/>
-              <a:t>2/22/2024</a:t>
+              <a:t>2/29/2024</a:t>
             </a:fld>
             <a:endParaRPr lang="en-US"/>
           </a:p>
@@ -665,7 +665,7 @@
           <a:p>
             <a:fld id="{00C148EF-35E6-4061-8BA4-EFA290F2CBC6}" type="datetimeFigureOut">
               <a:rPr lang="en-US" smtClean="0"/>
-              <a:t>2/22/2024</a:t>
+              <a:t>2/29/2024</a:t>
             </a:fld>
             <a:endParaRPr lang="en-US"/>
           </a:p>
@@ -863,7 +863,7 @@
           <a:p>
             <a:fld id="{00C148EF-35E6-4061-8BA4-EFA290F2CBC6}" type="datetimeFigureOut">
               <a:rPr lang="en-US" smtClean="0"/>
-              <a:t>2/22/2024</a:t>
+              <a:t>2/29/2024</a:t>
             </a:fld>
             <a:endParaRPr lang="en-US"/>
           </a:p>
@@ -1138,7 +1138,7 @@
           <a:p>
             <a:fld id="{00C148EF-35E6-4061-8BA4-EFA290F2CBC6}" type="datetimeFigureOut">
               <a:rPr lang="en-US" smtClean="0"/>
-              <a:t>2/22/2024</a:t>
+              <a:t>2/29/2024</a:t>
             </a:fld>
             <a:endParaRPr lang="en-US"/>
           </a:p>
@@ -1403,7 +1403,7 @@
           <a:p>
             <a:fld id="{00C148EF-35E6-4061-8BA4-EFA290F2CBC6}" type="datetimeFigureOut">
               <a:rPr lang="en-US" smtClean="0"/>
-              <a:t>2/22/2024</a:t>
+              <a:t>2/29/2024</a:t>
             </a:fld>
             <a:endParaRPr lang="en-US"/>
           </a:p>
@@ -1815,7 +1815,7 @@
           <a:p>
             <a:fld id="{00C148EF-35E6-4061-8BA4-EFA290F2CBC6}" type="datetimeFigureOut">
               <a:rPr lang="en-US" smtClean="0"/>
-              <a:t>2/22/2024</a:t>
+              <a:t>2/29/2024</a:t>
             </a:fld>
             <a:endParaRPr lang="en-US"/>
           </a:p>
@@ -1956,7 +1956,7 @@
           <a:p>
             <a:fld id="{00C148EF-35E6-4061-8BA4-EFA290F2CBC6}" type="datetimeFigureOut">
               <a:rPr lang="en-US" smtClean="0"/>
-              <a:t>2/22/2024</a:t>
+              <a:t>2/29/2024</a:t>
             </a:fld>
             <a:endParaRPr lang="en-US"/>
           </a:p>
@@ -2069,7 +2069,7 @@
           <a:p>
             <a:fld id="{00C148EF-35E6-4061-8BA4-EFA290F2CBC6}" type="datetimeFigureOut">
               <a:rPr lang="en-US" smtClean="0"/>
-              <a:t>2/22/2024</a:t>
+              <a:t>2/29/2024</a:t>
             </a:fld>
             <a:endParaRPr lang="en-US"/>
           </a:p>
@@ -2380,7 +2380,7 @@
           <a:p>
             <a:fld id="{00C148EF-35E6-4061-8BA4-EFA290F2CBC6}" type="datetimeFigureOut">
               <a:rPr lang="en-US" smtClean="0"/>
-              <a:t>2/22/2024</a:t>
+              <a:t>2/29/2024</a:t>
             </a:fld>
             <a:endParaRPr lang="en-US"/>
           </a:p>
@@ -2668,7 +2668,7 @@
           <a:p>
             <a:fld id="{00C148EF-35E6-4061-8BA4-EFA290F2CBC6}" type="datetimeFigureOut">
               <a:rPr lang="en-US" smtClean="0"/>
-              <a:t>2/22/2024</a:t>
+              <a:t>2/29/2024</a:t>
             </a:fld>
             <a:endParaRPr lang="en-US"/>
           </a:p>
@@ -2909,7 +2909,7 @@
           <a:p>
             <a:fld id="{00C148EF-35E6-4061-8BA4-EFA290F2CBC6}" type="datetimeFigureOut">
               <a:rPr lang="en-US" smtClean="0"/>
-              <a:t>2/22/2024</a:t>
+              <a:t>2/29/2024</a:t>
             </a:fld>
             <a:endParaRPr lang="en-US"/>
           </a:p>
@@ -4794,7 +4794,11 @@
           <a:solidFill>
             <a:schemeClr val="bg2"/>
           </a:solidFill>
-          <a:ln w="28575"/>
+          <a:ln w="28575">
+            <a:solidFill>
+              <a:schemeClr val="tx1"/>
+            </a:solidFill>
+          </a:ln>
         </p:spPr>
         <p:style>
           <a:lnRef idx="2">
@@ -4943,8 +4947,8 @@
         </p:nvSpPr>
         <p:spPr>
           <a:xfrm rot="16200000">
-            <a:off x="4187595" y="3303748"/>
-            <a:ext cx="1432468" cy="74729"/>
+            <a:off x="4283713" y="3283373"/>
+            <a:ext cx="1334694" cy="74729"/>
           </a:xfrm>
           <a:prstGeom prst="rect">
             <a:avLst/>
@@ -4997,8 +5001,8 @@
         </p:nvSpPr>
         <p:spPr>
           <a:xfrm>
-            <a:off x="4480946" y="4070748"/>
-            <a:ext cx="845765" cy="830997"/>
+            <a:off x="4775793" y="4055564"/>
+            <a:ext cx="1663107" cy="830997"/>
           </a:xfrm>
           <a:prstGeom prst="rect">
             <a:avLst/>
@@ -5018,7 +5022,7 @@
                 <a:ea typeface="CMU Sans Serif" panose="02000603000000000000" pitchFamily="2" charset="0"/>
                 <a:cs typeface="CMU Sans Serif" panose="02000603000000000000" pitchFamily="2" charset="0"/>
               </a:rPr>
-              <a:t>Mur ABC</a:t>
+              <a:t>Mur ABC or PEC</a:t>
             </a:r>
           </a:p>
         </p:txBody>
@@ -5227,144 +5231,6 @@
           </p:sp>
         </mc:Fallback>
       </mc:AlternateContent>
-      <p:cxnSp>
-        <p:nvCxnSpPr>
-          <p:cNvPr id="7" name="Straight Arrow Connector 6">
-            <a:extLst>
-              <a:ext uri="{FF2B5EF4-FFF2-40B4-BE49-F238E27FC236}">
-                <a16:creationId xmlns:a16="http://schemas.microsoft.com/office/drawing/2014/main" id="{128C908A-CBB3-E1DE-317E-EC865FE419E8}"/>
-              </a:ext>
-            </a:extLst>
-          </p:cNvPr>
-          <p:cNvCxnSpPr>
-            <a:cxnSpLocks/>
-          </p:cNvCxnSpPr>
-          <p:nvPr/>
-        </p:nvCxnSpPr>
-        <p:spPr>
-          <a:xfrm>
-            <a:off x="4958373" y="2694132"/>
-            <a:ext cx="0" cy="400652"/>
-          </a:xfrm>
-          <a:prstGeom prst="straightConnector1">
-            <a:avLst/>
-          </a:prstGeom>
-          <a:ln w="28575">
-            <a:solidFill>
-              <a:srgbClr val="C00000"/>
-            </a:solidFill>
-            <a:tailEnd type="triangle"/>
-          </a:ln>
-        </p:spPr>
-        <p:style>
-          <a:lnRef idx="1">
-            <a:schemeClr val="accent1"/>
-          </a:lnRef>
-          <a:fillRef idx="0">
-            <a:schemeClr val="accent1"/>
-          </a:fillRef>
-          <a:effectRef idx="0">
-            <a:schemeClr val="accent1"/>
-          </a:effectRef>
-          <a:fontRef idx="minor">
-            <a:schemeClr val="tx1"/>
-          </a:fontRef>
-        </p:style>
-      </p:cxnSp>
-      <p:cxnSp>
-        <p:nvCxnSpPr>
-          <p:cNvPr id="4" name="Straight Arrow Connector 3">
-            <a:extLst>
-              <a:ext uri="{FF2B5EF4-FFF2-40B4-BE49-F238E27FC236}">
-                <a16:creationId xmlns:a16="http://schemas.microsoft.com/office/drawing/2014/main" id="{A16E8ABE-2065-4BB4-D7A8-64B865DE5001}"/>
-              </a:ext>
-            </a:extLst>
-          </p:cNvPr>
-          <p:cNvCxnSpPr>
-            <a:cxnSpLocks/>
-          </p:cNvCxnSpPr>
-          <p:nvPr/>
-        </p:nvCxnSpPr>
-        <p:spPr>
-          <a:xfrm>
-            <a:off x="4958373" y="2694132"/>
-            <a:ext cx="414962" cy="0"/>
-          </a:xfrm>
-          <a:prstGeom prst="straightConnector1">
-            <a:avLst/>
-          </a:prstGeom>
-          <a:ln w="28575">
-            <a:solidFill>
-              <a:srgbClr val="C00000"/>
-            </a:solidFill>
-            <a:tailEnd type="triangle"/>
-          </a:ln>
-        </p:spPr>
-        <p:style>
-          <a:lnRef idx="1">
-            <a:schemeClr val="accent1"/>
-          </a:lnRef>
-          <a:fillRef idx="0">
-            <a:schemeClr val="accent1"/>
-          </a:fillRef>
-          <a:effectRef idx="0">
-            <a:schemeClr val="accent1"/>
-          </a:effectRef>
-          <a:fontRef idx="minor">
-            <a:schemeClr val="tx1"/>
-          </a:fontRef>
-        </p:style>
-      </p:cxnSp>
-      <p:sp>
-        <p:nvSpPr>
-          <p:cNvPr id="17" name="Oval 16">
-            <a:extLst>
-              <a:ext uri="{FF2B5EF4-FFF2-40B4-BE49-F238E27FC236}">
-                <a16:creationId xmlns:a16="http://schemas.microsoft.com/office/drawing/2014/main" id="{63D62BAA-2B67-A939-A4C5-0C9F94D4EED4}"/>
-              </a:ext>
-            </a:extLst>
-          </p:cNvPr>
-          <p:cNvSpPr/>
-          <p:nvPr/>
-        </p:nvSpPr>
-        <p:spPr>
-          <a:xfrm>
-            <a:off x="4935514" y="2666961"/>
-            <a:ext cx="45719" cy="45719"/>
-          </a:xfrm>
-          <a:prstGeom prst="ellipse">
-            <a:avLst/>
-          </a:prstGeom>
-          <a:solidFill>
-            <a:srgbClr val="C00000"/>
-          </a:solidFill>
-          <a:ln w="28575"/>
-        </p:spPr>
-        <p:style>
-          <a:lnRef idx="2">
-            <a:schemeClr val="accent1">
-              <a:shade val="15000"/>
-            </a:schemeClr>
-          </a:lnRef>
-          <a:fillRef idx="1">
-            <a:schemeClr val="accent1"/>
-          </a:fillRef>
-          <a:effectRef idx="0">
-            <a:schemeClr val="accent1"/>
-          </a:effectRef>
-          <a:fontRef idx="minor">
-            <a:schemeClr val="lt1"/>
-          </a:fontRef>
-        </p:style>
-        <p:txBody>
-          <a:bodyPr rtlCol="0" anchor="ctr"/>
-          <a:lstStyle/>
-          <a:p>
-            <a:pPr algn="ctr"/>
-            <a:endParaRPr lang="en-US"/>
-          </a:p>
-        </p:txBody>
-      </p:sp>
       <mc:AlternateContent xmlns:mc="http://schemas.openxmlformats.org/markup-compatibility/2006" xmlns:a14="http://schemas.microsoft.com/office/drawing/2010/main">
         <mc:Choice Requires="a14">
           <p:sp>
@@ -6040,6 +5906,252 @@
           </a:fontRef>
         </p:style>
       </p:cxnSp>
+      <p:sp>
+        <p:nvSpPr>
+          <p:cNvPr id="3" name="Rectangle 2">
+            <a:extLst>
+              <a:ext uri="{FF2B5EF4-FFF2-40B4-BE49-F238E27FC236}">
+                <a16:creationId xmlns:a16="http://schemas.microsoft.com/office/drawing/2014/main" id="{892E72A5-97C5-7C24-B466-986D5462D371}"/>
+              </a:ext>
+            </a:extLst>
+          </p:cNvPr>
+          <p:cNvSpPr/>
+          <p:nvPr/>
+        </p:nvSpPr>
+        <p:spPr>
+          <a:xfrm rot="16200000">
+            <a:off x="4162575" y="3303749"/>
+            <a:ext cx="1432468" cy="74729"/>
+          </a:xfrm>
+          <a:prstGeom prst="rect">
+            <a:avLst/>
+          </a:prstGeom>
+          <a:solidFill>
+            <a:schemeClr val="bg2"/>
+          </a:solidFill>
+          <a:ln w="28575">
+            <a:solidFill>
+              <a:schemeClr val="tx1"/>
+            </a:solidFill>
+          </a:ln>
+        </p:spPr>
+        <p:style>
+          <a:lnRef idx="2">
+            <a:schemeClr val="accent1">
+              <a:shade val="15000"/>
+            </a:schemeClr>
+          </a:lnRef>
+          <a:fillRef idx="1">
+            <a:schemeClr val="accent1"/>
+          </a:fillRef>
+          <a:effectRef idx="0">
+            <a:schemeClr val="accent1"/>
+          </a:effectRef>
+          <a:fontRef idx="minor">
+            <a:schemeClr val="lt1"/>
+          </a:fontRef>
+        </p:style>
+        <p:txBody>
+          <a:bodyPr rtlCol="0" anchor="ctr"/>
+          <a:lstStyle/>
+          <a:p>
+            <a:pPr algn="ctr"/>
+            <a:endParaRPr lang="en-US"/>
+          </a:p>
+        </p:txBody>
+      </p:sp>
+      <p:cxnSp>
+        <p:nvCxnSpPr>
+          <p:cNvPr id="7" name="Straight Arrow Connector 6">
+            <a:extLst>
+              <a:ext uri="{FF2B5EF4-FFF2-40B4-BE49-F238E27FC236}">
+                <a16:creationId xmlns:a16="http://schemas.microsoft.com/office/drawing/2014/main" id="{128C908A-CBB3-E1DE-317E-EC865FE419E8}"/>
+              </a:ext>
+            </a:extLst>
+          </p:cNvPr>
+          <p:cNvCxnSpPr>
+            <a:cxnSpLocks/>
+          </p:cNvCxnSpPr>
+          <p:nvPr/>
+        </p:nvCxnSpPr>
+        <p:spPr>
+          <a:xfrm>
+            <a:off x="4916174" y="2694132"/>
+            <a:ext cx="0" cy="400652"/>
+          </a:xfrm>
+          <a:prstGeom prst="straightConnector1">
+            <a:avLst/>
+          </a:prstGeom>
+          <a:ln w="28575">
+            <a:solidFill>
+              <a:srgbClr val="C00000"/>
+            </a:solidFill>
+            <a:tailEnd type="triangle"/>
+          </a:ln>
+        </p:spPr>
+        <p:style>
+          <a:lnRef idx="1">
+            <a:schemeClr val="accent1"/>
+          </a:lnRef>
+          <a:fillRef idx="0">
+            <a:schemeClr val="accent1"/>
+          </a:fillRef>
+          <a:effectRef idx="0">
+            <a:schemeClr val="accent1"/>
+          </a:effectRef>
+          <a:fontRef idx="minor">
+            <a:schemeClr val="tx1"/>
+          </a:fontRef>
+        </p:style>
+      </p:cxnSp>
+      <p:cxnSp>
+        <p:nvCxnSpPr>
+          <p:cNvPr id="4" name="Straight Arrow Connector 3">
+            <a:extLst>
+              <a:ext uri="{FF2B5EF4-FFF2-40B4-BE49-F238E27FC236}">
+                <a16:creationId xmlns:a16="http://schemas.microsoft.com/office/drawing/2014/main" id="{A16E8ABE-2065-4BB4-D7A8-64B865DE5001}"/>
+              </a:ext>
+            </a:extLst>
+          </p:cNvPr>
+          <p:cNvCxnSpPr>
+            <a:cxnSpLocks/>
+          </p:cNvCxnSpPr>
+          <p:nvPr/>
+        </p:nvCxnSpPr>
+        <p:spPr>
+          <a:xfrm>
+            <a:off x="4916174" y="2694132"/>
+            <a:ext cx="414962" cy="0"/>
+          </a:xfrm>
+          <a:prstGeom prst="straightConnector1">
+            <a:avLst/>
+          </a:prstGeom>
+          <a:ln w="28575">
+            <a:solidFill>
+              <a:srgbClr val="C00000"/>
+            </a:solidFill>
+            <a:tailEnd type="triangle"/>
+          </a:ln>
+        </p:spPr>
+        <p:style>
+          <a:lnRef idx="1">
+            <a:schemeClr val="accent1"/>
+          </a:lnRef>
+          <a:fillRef idx="0">
+            <a:schemeClr val="accent1"/>
+          </a:fillRef>
+          <a:effectRef idx="0">
+            <a:schemeClr val="accent1"/>
+          </a:effectRef>
+          <a:fontRef idx="minor">
+            <a:schemeClr val="tx1"/>
+          </a:fontRef>
+        </p:style>
+      </p:cxnSp>
+      <p:sp>
+        <p:nvSpPr>
+          <p:cNvPr id="17" name="Oval 16">
+            <a:extLst>
+              <a:ext uri="{FF2B5EF4-FFF2-40B4-BE49-F238E27FC236}">
+                <a16:creationId xmlns:a16="http://schemas.microsoft.com/office/drawing/2014/main" id="{63D62BAA-2B67-A939-A4C5-0C9F94D4EED4}"/>
+              </a:ext>
+            </a:extLst>
+          </p:cNvPr>
+          <p:cNvSpPr/>
+          <p:nvPr/>
+        </p:nvSpPr>
+        <p:spPr>
+          <a:xfrm>
+            <a:off x="4893315" y="2666961"/>
+            <a:ext cx="45719" cy="45719"/>
+          </a:xfrm>
+          <a:prstGeom prst="ellipse">
+            <a:avLst/>
+          </a:prstGeom>
+          <a:solidFill>
+            <a:srgbClr val="C00000"/>
+          </a:solidFill>
+          <a:ln w="28575"/>
+        </p:spPr>
+        <p:style>
+          <a:lnRef idx="2">
+            <a:schemeClr val="accent1">
+              <a:shade val="15000"/>
+            </a:schemeClr>
+          </a:lnRef>
+          <a:fillRef idx="1">
+            <a:schemeClr val="accent1"/>
+          </a:fillRef>
+          <a:effectRef idx="0">
+            <a:schemeClr val="accent1"/>
+          </a:effectRef>
+          <a:fontRef idx="minor">
+            <a:schemeClr val="lt1"/>
+          </a:fontRef>
+        </p:style>
+        <p:txBody>
+          <a:bodyPr rtlCol="0" anchor="ctr"/>
+          <a:lstStyle/>
+          <a:p>
+            <a:pPr algn="ctr"/>
+            <a:endParaRPr lang="en-US"/>
+          </a:p>
+        </p:txBody>
+      </p:sp>
+      <p:sp>
+        <p:nvSpPr>
+          <p:cNvPr id="5" name="Rectangle 4">
+            <a:extLst>
+              <a:ext uri="{FF2B5EF4-FFF2-40B4-BE49-F238E27FC236}">
+                <a16:creationId xmlns:a16="http://schemas.microsoft.com/office/drawing/2014/main" id="{D8DF72E8-1EB0-4907-142C-6F3EA19A85F7}"/>
+              </a:ext>
+            </a:extLst>
+          </p:cNvPr>
+          <p:cNvSpPr/>
+          <p:nvPr/>
+        </p:nvSpPr>
+        <p:spPr>
+          <a:xfrm rot="16200000">
+            <a:off x="9082607" y="3303749"/>
+            <a:ext cx="1432468" cy="74729"/>
+          </a:xfrm>
+          <a:prstGeom prst="rect">
+            <a:avLst/>
+          </a:prstGeom>
+          <a:solidFill>
+            <a:schemeClr val="bg2"/>
+          </a:solidFill>
+          <a:ln w="28575">
+            <a:solidFill>
+              <a:schemeClr val="tx1"/>
+            </a:solidFill>
+          </a:ln>
+        </p:spPr>
+        <p:style>
+          <a:lnRef idx="2">
+            <a:schemeClr val="accent1">
+              <a:shade val="15000"/>
+            </a:schemeClr>
+          </a:lnRef>
+          <a:fillRef idx="1">
+            <a:schemeClr val="accent1"/>
+          </a:fillRef>
+          <a:effectRef idx="0">
+            <a:schemeClr val="accent1"/>
+          </a:effectRef>
+          <a:fontRef idx="minor">
+            <a:schemeClr val="lt1"/>
+          </a:fontRef>
+        </p:style>
+        <p:txBody>
+          <a:bodyPr rtlCol="0" anchor="ctr"/>
+          <a:lstStyle/>
+          <a:p>
+            <a:pPr algn="ctr"/>
+            <a:endParaRPr lang="en-US"/>
+          </a:p>
+        </p:txBody>
+      </p:sp>
     </p:spTree>
     <p:extLst>
       <p:ext uri="{BB962C8B-B14F-4D97-AF65-F5344CB8AC3E}">

--- a/report/figures/Figures.pptx
+++ b/report/figures/Figures.pptx
@@ -6,6 +6,7 @@
   </p:sldMasterIdLst>
   <p:sldIdLst>
     <p:sldId id="256" r:id="rId2"/>
+    <p:sldId id="257" r:id="rId3"/>
   </p:sldIdLst>
   <p:sldSz cx="12192000" cy="6858000"/>
   <p:notesSz cx="6858000" cy="9144000"/>
@@ -6165,6 +6166,152 @@
 </p:sld>
 </file>
 
+<file path=ppt/slides/slide2.xml><?xml version="1.0" encoding="utf-8"?>
+<p:sld xmlns:a="http://schemas.openxmlformats.org/drawingml/2006/main" xmlns:r="http://schemas.openxmlformats.org/officeDocument/2006/relationships" xmlns:p="http://schemas.openxmlformats.org/presentationml/2006/main">
+  <p:cSld>
+    <p:spTree>
+      <p:nvGrpSpPr>
+        <p:cNvPr id="1" name=""/>
+        <p:cNvGrpSpPr/>
+        <p:nvPr/>
+      </p:nvGrpSpPr>
+      <p:grpSpPr>
+        <a:xfrm>
+          <a:off x="0" y="0"/>
+          <a:ext cx="0" cy="0"/>
+          <a:chOff x="0" y="0"/>
+          <a:chExt cx="0" cy="0"/>
+        </a:xfrm>
+      </p:grpSpPr>
+      <p:pic>
+        <p:nvPicPr>
+          <p:cNvPr id="24" name="Picture 23" descr="A diagram of a graph&#10;&#10;Description automatically generated with medium confidence">
+            <a:extLst>
+              <a:ext uri="{FF2B5EF4-FFF2-40B4-BE49-F238E27FC236}">
+                <a16:creationId xmlns:a16="http://schemas.microsoft.com/office/drawing/2014/main" id="{B72F9EF1-8151-2199-3D76-2405883DAAB8}"/>
+              </a:ext>
+            </a:extLst>
+          </p:cNvPr>
+          <p:cNvPicPr>
+            <a:picLocks noChangeAspect="1"/>
+          </p:cNvPicPr>
+          <p:nvPr/>
+        </p:nvPicPr>
+        <p:blipFill>
+          <a:blip r:embed="rId2">
+            <a:extLst>
+              <a:ext uri="{28A0092B-C50C-407E-A947-70E740481C1C}">
+                <a14:useLocalDpi xmlns:a14="http://schemas.microsoft.com/office/drawing/2010/main" val="0"/>
+              </a:ext>
+            </a:extLst>
+          </a:blip>
+          <a:stretch>
+            <a:fillRect/>
+          </a:stretch>
+        </p:blipFill>
+        <p:spPr>
+          <a:xfrm>
+            <a:off x="1678802" y="1207243"/>
+            <a:ext cx="9065398" cy="4695593"/>
+          </a:xfrm>
+          <a:prstGeom prst="rect">
+            <a:avLst/>
+          </a:prstGeom>
+        </p:spPr>
+      </p:pic>
+      <p:sp>
+        <p:nvSpPr>
+          <p:cNvPr id="26" name="TextBox 25">
+            <a:extLst>
+              <a:ext uri="{FF2B5EF4-FFF2-40B4-BE49-F238E27FC236}">
+                <a16:creationId xmlns:a16="http://schemas.microsoft.com/office/drawing/2014/main" id="{F563AE75-E639-E06A-2D1E-71098F3F3BA9}"/>
+              </a:ext>
+            </a:extLst>
+          </p:cNvPr>
+          <p:cNvSpPr txBox="1"/>
+          <p:nvPr/>
+        </p:nvSpPr>
+        <p:spPr>
+          <a:xfrm>
+            <a:off x="9994376" y="2389853"/>
+            <a:ext cx="518822" cy="461665"/>
+          </a:xfrm>
+          <a:prstGeom prst="rect">
+            <a:avLst/>
+          </a:prstGeom>
+          <a:noFill/>
+        </p:spPr>
+        <p:txBody>
+          <a:bodyPr wrap="square">
+            <a:spAutoFit/>
+          </a:bodyPr>
+          <a:lstStyle/>
+          <a:p>
+            <a:pPr algn="ctr"/>
+            <a:r>
+              <a:rPr lang="en-US" sz="2400" dirty="0">
+                <a:latin typeface="CMU Sans Serif" panose="02000603000000000000" pitchFamily="2" charset="0"/>
+                <a:ea typeface="CMU Sans Serif" panose="02000603000000000000" pitchFamily="2" charset="0"/>
+                <a:cs typeface="CMU Sans Serif" panose="02000603000000000000" pitchFamily="2" charset="0"/>
+              </a:rPr>
+              <a:t>(a)</a:t>
+            </a:r>
+          </a:p>
+        </p:txBody>
+      </p:sp>
+      <p:sp>
+        <p:nvSpPr>
+          <p:cNvPr id="27" name="TextBox 26">
+            <a:extLst>
+              <a:ext uri="{FF2B5EF4-FFF2-40B4-BE49-F238E27FC236}">
+                <a16:creationId xmlns:a16="http://schemas.microsoft.com/office/drawing/2014/main" id="{6BB9F4BE-3174-F4A8-3295-3641EB559D6E}"/>
+              </a:ext>
+            </a:extLst>
+          </p:cNvPr>
+          <p:cNvSpPr txBox="1"/>
+          <p:nvPr/>
+        </p:nvSpPr>
+        <p:spPr>
+          <a:xfrm>
+            <a:off x="9948653" y="4359021"/>
+            <a:ext cx="582989" cy="461665"/>
+          </a:xfrm>
+          <a:prstGeom prst="rect">
+            <a:avLst/>
+          </a:prstGeom>
+          <a:noFill/>
+        </p:spPr>
+        <p:txBody>
+          <a:bodyPr wrap="square">
+            <a:spAutoFit/>
+          </a:bodyPr>
+          <a:lstStyle/>
+          <a:p>
+            <a:pPr algn="ctr"/>
+            <a:r>
+              <a:rPr lang="en-US" sz="2400" dirty="0">
+                <a:latin typeface="CMU Sans Serif" panose="02000603000000000000" pitchFamily="2" charset="0"/>
+                <a:ea typeface="CMU Sans Serif" panose="02000603000000000000" pitchFamily="2" charset="0"/>
+                <a:cs typeface="CMU Sans Serif" panose="02000603000000000000" pitchFamily="2" charset="0"/>
+              </a:rPr>
+              <a:t>(b)</a:t>
+            </a:r>
+          </a:p>
+        </p:txBody>
+      </p:sp>
+    </p:spTree>
+    <p:extLst>
+      <p:ext uri="{BB962C8B-B14F-4D97-AF65-F5344CB8AC3E}">
+        <p14:creationId xmlns:p14="http://schemas.microsoft.com/office/powerpoint/2010/main" val="2591858179"/>
+      </p:ext>
+    </p:extLst>
+  </p:cSld>
+  <p:clrMapOvr>
+    <a:masterClrMapping/>
+  </p:clrMapOvr>
+</p:sld>
+</file>
+
 <file path=ppt/theme/theme1.xml><?xml version="1.0" encoding="utf-8"?>
 <a:theme xmlns:a="http://schemas.openxmlformats.org/drawingml/2006/main" name="Office Theme">
   <a:themeElements>
